--- a/Documentation/Reports and Papers/Knee_Torque_Test/Figures/Figure components/TestSchematic.pptx
+++ b/Documentation/Reports and Papers/Knee_Torque_Test/Figures/Figure components/TestSchematic.pptx
@@ -5,11 +5,10 @@
     <p:sldMasterId id="2147483659" r:id="rId1"/>
   </p:sldMasterIdLst>
   <p:notesMasterIdLst>
-    <p:notesMasterId r:id="rId4"/>
+    <p:notesMasterId r:id="rId3"/>
   </p:notesMasterIdLst>
   <p:sldIdLst>
-    <p:sldId id="256" r:id="rId2"/>
-    <p:sldId id="257" r:id="rId3"/>
+    <p:sldId id="257" r:id="rId2"/>
   </p:sldIdLst>
   <p:sldSz cx="9144000" cy="5143500" type="screen16x9"/>
   <p:notesSz cx="6858000" cy="9144000"/>
@@ -707,110 +706,6 @@
   <p:cSld>
     <p:spTree>
       <p:nvGrpSpPr>
-        <p:cNvPr id="1" name="Shape 50"/>
-        <p:cNvGrpSpPr/>
-        <p:nvPr/>
-      </p:nvGrpSpPr>
-      <p:grpSpPr>
-        <a:xfrm>
-          <a:off x="0" y="0"/>
-          <a:ext cx="0" cy="0"/>
-          <a:chOff x="0" y="0"/>
-          <a:chExt cx="0" cy="0"/>
-        </a:xfrm>
-      </p:grpSpPr>
-      <p:sp>
-        <p:nvSpPr>
-          <p:cNvPr id="51" name="Google Shape;51;g11db2f50ade_0_0:notes"/>
-          <p:cNvSpPr>
-            <a:spLocks noGrp="1" noRot="1" noChangeAspect="1"/>
-          </p:cNvSpPr>
-          <p:nvPr>
-            <p:ph type="sldImg" idx="2"/>
-          </p:nvPr>
-        </p:nvSpPr>
-        <p:spPr>
-          <a:xfrm>
-            <a:off x="381300" y="685800"/>
-            <a:ext cx="6096000" cy="3429000"/>
-          </a:xfrm>
-          <a:custGeom>
-            <a:avLst/>
-            <a:gdLst/>
-            <a:ahLst/>
-            <a:cxnLst/>
-            <a:rect l="l" t="t" r="r" b="b"/>
-            <a:pathLst>
-              <a:path w="120000" h="120000" extrusionOk="0">
-                <a:moveTo>
-                  <a:pt x="0" y="0"/>
-                </a:moveTo>
-                <a:lnTo>
-                  <a:pt x="120000" y="0"/>
-                </a:lnTo>
-                <a:lnTo>
-                  <a:pt x="120000" y="120000"/>
-                </a:lnTo>
-                <a:lnTo>
-                  <a:pt x="0" y="120000"/>
-                </a:lnTo>
-                <a:close/>
-              </a:path>
-            </a:pathLst>
-          </a:custGeom>
-        </p:spPr>
-      </p:sp>
-      <p:sp>
-        <p:nvSpPr>
-          <p:cNvPr id="52" name="Google Shape;52;g11db2f50ade_0_0:notes"/>
-          <p:cNvSpPr txBox="1">
-            <a:spLocks noGrp="1"/>
-          </p:cNvSpPr>
-          <p:nvPr>
-            <p:ph type="body" idx="1"/>
-          </p:nvPr>
-        </p:nvSpPr>
-        <p:spPr>
-          <a:xfrm>
-            <a:off x="685800" y="4343400"/>
-            <a:ext cx="5486400" cy="4114800"/>
-          </a:xfrm>
-          <a:prstGeom prst="rect">
-            <a:avLst/>
-          </a:prstGeom>
-        </p:spPr>
-        <p:txBody>
-          <a:bodyPr spcFirstLastPara="1" wrap="square" lIns="91425" tIns="91425" rIns="91425" bIns="91425" anchor="t" anchorCtr="0">
-            <a:noAutofit/>
-          </a:bodyPr>
-          <a:lstStyle/>
-          <a:p>
-            <a:pPr marL="0" lvl="0" indent="0" algn="l" rtl="0">
-              <a:spcBef>
-                <a:spcPts val="0"/>
-              </a:spcBef>
-              <a:spcAft>
-                <a:spcPts val="0"/>
-              </a:spcAft>
-              <a:buNone/>
-            </a:pPr>
-            <a:endParaRPr/>
-          </a:p>
-        </p:txBody>
-      </p:sp>
-    </p:spTree>
-  </p:cSld>
-  <p:clrMapOvr>
-    <a:masterClrMapping/>
-  </p:clrMapOvr>
-</p:notes>
-</file>
-
-<file path=ppt/notesSlides/notesSlide2.xml><?xml version="1.0" encoding="utf-8"?>
-<p:notes xmlns:a="http://schemas.openxmlformats.org/drawingml/2006/main" xmlns:r="http://schemas.openxmlformats.org/officeDocument/2006/relationships" xmlns:p="http://schemas.openxmlformats.org/presentationml/2006/main" showMasterSp="0" showMasterPhAnim="0">
-  <p:cSld>
-    <p:spTree>
-      <p:nvGrpSpPr>
         <p:cNvPr id="1" name="Shape 147"/>
         <p:cNvGrpSpPr/>
         <p:nvPr/>
@@ -835,7 +730,7 @@
         </p:nvSpPr>
         <p:spPr>
           <a:xfrm>
-            <a:off x="381300" y="685800"/>
+            <a:off x="381000" y="685800"/>
             <a:ext cx="6096000" cy="3429000"/>
           </a:xfrm>
           <a:custGeom>
@@ -5664,7 +5559,7 @@
   <p:cSld>
     <p:spTree>
       <p:nvGrpSpPr>
-        <p:cNvPr id="1" name="Shape 53"/>
+        <p:cNvPr id="1" name="Shape 150"/>
         <p:cNvGrpSpPr/>
         <p:nvPr/>
       </p:nvGrpSpPr>
@@ -5678,14 +5573,14 @@
       </p:grpSpPr>
       <p:sp>
         <p:nvSpPr>
-          <p:cNvPr id="54" name="Google Shape;54;p13"/>
+          <p:cNvPr id="151" name="Google Shape;151;p14"/>
           <p:cNvSpPr/>
           <p:nvPr/>
         </p:nvSpPr>
         <p:spPr>
           <a:xfrm>
-            <a:off x="6361275" y="603400"/>
-            <a:ext cx="765350" cy="1088200"/>
+            <a:off x="6427999" y="630348"/>
+            <a:ext cx="698625" cy="1061251"/>
           </a:xfrm>
           <a:custGeom>
             <a:avLst/>
@@ -5725,7 +5620,7 @@
       </p:sp>
       <p:sp>
         <p:nvSpPr>
-          <p:cNvPr id="55" name="Google Shape;55;p13"/>
+          <p:cNvPr id="152" name="Google Shape;152;p14"/>
           <p:cNvSpPr/>
           <p:nvPr/>
         </p:nvSpPr>
@@ -5762,3502 +5657,6 @@
             <a:endParaRPr/>
           </a:p>
         </p:txBody>
-      </p:sp>
-      <p:sp>
-        <p:nvSpPr>
-          <p:cNvPr id="56" name="Google Shape;56;p13"/>
-          <p:cNvSpPr/>
-          <p:nvPr/>
-        </p:nvSpPr>
-        <p:spPr>
-          <a:xfrm>
-            <a:off x="2195775" y="3374750"/>
-            <a:ext cx="3433500" cy="610175"/>
-          </a:xfrm>
-          <a:custGeom>
-            <a:avLst/>
-            <a:gdLst/>
-            <a:ahLst/>
-            <a:cxnLst/>
-            <a:rect l="l" t="t" r="r" b="b"/>
-            <a:pathLst>
-              <a:path w="137340" h="24407" extrusionOk="0">
-                <a:moveTo>
-                  <a:pt x="137340" y="0"/>
-                </a:moveTo>
-                <a:cubicBezTo>
-                  <a:pt x="136174" y="2835"/>
-                  <a:pt x="140064" y="13105"/>
-                  <a:pt x="130342" y="17009"/>
-                </a:cubicBezTo>
-                <a:cubicBezTo>
-                  <a:pt x="120620" y="20913"/>
-                  <a:pt x="95985" y="22423"/>
-                  <a:pt x="79007" y="23426"/>
-                </a:cubicBezTo>
-                <a:cubicBezTo>
-                  <a:pt x="62029" y="24429"/>
-                  <a:pt x="41642" y="25164"/>
-                  <a:pt x="28474" y="23025"/>
-                </a:cubicBezTo>
-                <a:cubicBezTo>
-                  <a:pt x="15306" y="20886"/>
-                  <a:pt x="4746" y="12664"/>
-                  <a:pt x="0" y="10592"/>
-                </a:cubicBezTo>
-              </a:path>
-            </a:pathLst>
-          </a:custGeom>
-          <a:noFill/>
-          <a:ln w="9525" cap="flat" cmpd="sng">
-            <a:solidFill>
-              <a:schemeClr val="dk2"/>
-            </a:solidFill>
-            <a:prstDash val="solid"/>
-            <a:round/>
-            <a:headEnd type="none" w="med" len="med"/>
-            <a:tailEnd type="none" w="med" len="med"/>
-          </a:ln>
-        </p:spPr>
-      </p:sp>
-      <p:sp>
-        <p:nvSpPr>
-          <p:cNvPr id="57" name="Google Shape;57;p13"/>
-          <p:cNvSpPr/>
-          <p:nvPr/>
-        </p:nvSpPr>
-        <p:spPr>
-          <a:xfrm>
-            <a:off x="1743075" y="146516"/>
-            <a:ext cx="1014425" cy="972675"/>
-          </a:xfrm>
-          <a:custGeom>
-            <a:avLst/>
-            <a:gdLst/>
-            <a:ahLst/>
-            <a:cxnLst/>
-            <a:rect l="l" t="t" r="r" b="b"/>
-            <a:pathLst>
-              <a:path w="40577" h="38907" extrusionOk="0">
-                <a:moveTo>
-                  <a:pt x="40577" y="6331"/>
-                </a:moveTo>
-                <a:cubicBezTo>
-                  <a:pt x="38640" y="5315"/>
-                  <a:pt x="33211" y="807"/>
-                  <a:pt x="28956" y="235"/>
-                </a:cubicBezTo>
-                <a:cubicBezTo>
-                  <a:pt x="24702" y="-336"/>
-                  <a:pt x="19273" y="-19"/>
-                  <a:pt x="15050" y="2902"/>
-                </a:cubicBezTo>
-                <a:cubicBezTo>
-                  <a:pt x="10827" y="5823"/>
-                  <a:pt x="6128" y="11760"/>
-                  <a:pt x="3620" y="17761"/>
-                </a:cubicBezTo>
-                <a:cubicBezTo>
-                  <a:pt x="1112" y="23762"/>
-                  <a:pt x="603" y="35383"/>
-                  <a:pt x="0" y="38907"/>
-                </a:cubicBezTo>
-              </a:path>
-            </a:pathLst>
-          </a:custGeom>
-          <a:noFill/>
-          <a:ln w="76200" cap="flat" cmpd="sng">
-            <a:solidFill>
-              <a:schemeClr val="dk1"/>
-            </a:solidFill>
-            <a:prstDash val="solid"/>
-            <a:round/>
-            <a:headEnd type="none" w="med" len="med"/>
-            <a:tailEnd type="none" w="med" len="med"/>
-          </a:ln>
-        </p:spPr>
-      </p:sp>
-      <p:sp>
-        <p:nvSpPr>
-          <p:cNvPr id="58" name="Google Shape;58;p13"/>
-          <p:cNvSpPr/>
-          <p:nvPr/>
-        </p:nvSpPr>
-        <p:spPr>
-          <a:xfrm rot="2229346">
-            <a:off x="1732293" y="584879"/>
-            <a:ext cx="228483" cy="1031825"/>
-          </a:xfrm>
-          <a:prstGeom prst="rect">
-            <a:avLst/>
-          </a:prstGeom>
-          <a:solidFill>
-            <a:schemeClr val="lt1"/>
-          </a:solidFill>
-          <a:ln>
-            <a:noFill/>
-          </a:ln>
-        </p:spPr>
-        <p:txBody>
-          <a:bodyPr spcFirstLastPara="1" wrap="square" lIns="91425" tIns="91425" rIns="91425" bIns="91425" anchor="ctr" anchorCtr="0">
-            <a:noAutofit/>
-          </a:bodyPr>
-          <a:lstStyle/>
-          <a:p>
-            <a:pPr marL="0" lvl="0" indent="0" algn="l" rtl="0">
-              <a:spcBef>
-                <a:spcPts val="0"/>
-              </a:spcBef>
-              <a:spcAft>
-                <a:spcPts val="0"/>
-              </a:spcAft>
-              <a:buNone/>
-            </a:pPr>
-            <a:endParaRPr/>
-          </a:p>
-        </p:txBody>
-      </p:sp>
-      <p:sp>
-        <p:nvSpPr>
-          <p:cNvPr id="59" name="Google Shape;59;p13"/>
-          <p:cNvSpPr/>
-          <p:nvPr/>
-        </p:nvSpPr>
-        <p:spPr>
-          <a:xfrm>
-            <a:off x="3600450" y="1053475"/>
-            <a:ext cx="2447898" cy="636240"/>
-          </a:xfrm>
-          <a:custGeom>
-            <a:avLst/>
-            <a:gdLst/>
-            <a:ahLst/>
-            <a:cxnLst/>
-            <a:rect l="l" t="t" r="r" b="b"/>
-            <a:pathLst>
-              <a:path w="96774" h="24384" extrusionOk="0">
-                <a:moveTo>
-                  <a:pt x="96774" y="24384"/>
-                </a:moveTo>
-                <a:cubicBezTo>
-                  <a:pt x="93726" y="22670"/>
-                  <a:pt x="91440" y="16002"/>
-                  <a:pt x="78486" y="14097"/>
-                </a:cubicBezTo>
-                <a:cubicBezTo>
-                  <a:pt x="65532" y="12192"/>
-                  <a:pt x="32131" y="15304"/>
-                  <a:pt x="19050" y="12954"/>
-                </a:cubicBezTo>
-                <a:cubicBezTo>
-                  <a:pt x="5969" y="10605"/>
-                  <a:pt x="3175" y="2159"/>
-                  <a:pt x="0" y="0"/>
-                </a:cubicBezTo>
-              </a:path>
-            </a:pathLst>
-          </a:custGeom>
-          <a:noFill/>
-          <a:ln w="38100" cap="flat" cmpd="sng">
-            <a:solidFill>
-              <a:schemeClr val="dk2"/>
-            </a:solidFill>
-            <a:prstDash val="solid"/>
-            <a:round/>
-            <a:headEnd type="none" w="med" len="med"/>
-            <a:tailEnd type="none" w="med" len="med"/>
-          </a:ln>
-        </p:spPr>
-      </p:sp>
-      <p:sp>
-        <p:nvSpPr>
-          <p:cNvPr id="60" name="Google Shape;60;p13"/>
-          <p:cNvSpPr/>
-          <p:nvPr/>
-        </p:nvSpPr>
-        <p:spPr>
-          <a:xfrm>
-            <a:off x="3550925" y="1115850"/>
-            <a:ext cx="180983" cy="827260"/>
-          </a:xfrm>
-          <a:custGeom>
-            <a:avLst/>
-            <a:gdLst/>
-            <a:ahLst/>
-            <a:cxnLst/>
-            <a:rect l="l" t="t" r="r" b="b"/>
-            <a:pathLst>
-              <a:path w="6858" h="32766" extrusionOk="0">
-                <a:moveTo>
-                  <a:pt x="0" y="0"/>
-                </a:moveTo>
-                <a:cubicBezTo>
-                  <a:pt x="1143" y="5461"/>
-                  <a:pt x="5715" y="27305"/>
-                  <a:pt x="6858" y="32766"/>
-                </a:cubicBezTo>
-              </a:path>
-            </a:pathLst>
-          </a:custGeom>
-          <a:noFill/>
-          <a:ln w="38100" cap="flat" cmpd="sng">
-            <a:solidFill>
-              <a:schemeClr val="dk2"/>
-            </a:solidFill>
-            <a:prstDash val="solid"/>
-            <a:round/>
-            <a:headEnd type="none" w="med" len="med"/>
-            <a:tailEnd type="none" w="med" len="med"/>
-          </a:ln>
-        </p:spPr>
-      </p:sp>
-      <p:sp>
-        <p:nvSpPr>
-          <p:cNvPr id="61" name="Google Shape;61;p13"/>
-          <p:cNvSpPr txBox="1"/>
-          <p:nvPr/>
-        </p:nvSpPr>
-        <p:spPr>
-          <a:xfrm>
-            <a:off x="3988878" y="43175"/>
-            <a:ext cx="1555500" cy="384900"/>
-          </a:xfrm>
-          <a:prstGeom prst="rect">
-            <a:avLst/>
-          </a:prstGeom>
-          <a:noFill/>
-          <a:ln>
-            <a:noFill/>
-          </a:ln>
-        </p:spPr>
-        <p:txBody>
-          <a:bodyPr spcFirstLastPara="1" wrap="square" lIns="91425" tIns="91425" rIns="91425" bIns="91425" anchor="t" anchorCtr="0">
-            <a:spAutoFit/>
-          </a:bodyPr>
-          <a:lstStyle/>
-          <a:p>
-            <a:pPr marL="0" lvl="0" indent="0" algn="ctr" rtl="0">
-              <a:spcBef>
-                <a:spcPts val="0"/>
-              </a:spcBef>
-              <a:spcAft>
-                <a:spcPts val="0"/>
-              </a:spcAft>
-              <a:buNone/>
-            </a:pPr>
-            <a:r>
-              <a:rPr lang="en" sz="1300"/>
-              <a:t>Pressurized Air</a:t>
-            </a:r>
-            <a:endParaRPr sz="1300"/>
-          </a:p>
-        </p:txBody>
-      </p:sp>
-      <p:sp>
-        <p:nvSpPr>
-          <p:cNvPr id="62" name="Google Shape;62;p13"/>
-          <p:cNvSpPr/>
-          <p:nvPr/>
-        </p:nvSpPr>
-        <p:spPr>
-          <a:xfrm>
-            <a:off x="5805782" y="1687625"/>
-            <a:ext cx="1555500" cy="944400"/>
-          </a:xfrm>
-          <a:prstGeom prst="rect">
-            <a:avLst/>
-          </a:prstGeom>
-          <a:noFill/>
-          <a:ln w="19050" cap="flat" cmpd="sng">
-            <a:solidFill>
-              <a:schemeClr val="dk1"/>
-            </a:solidFill>
-            <a:prstDash val="solid"/>
-            <a:round/>
-            <a:headEnd type="none" w="sm" len="sm"/>
-            <a:tailEnd type="none" w="sm" len="sm"/>
-          </a:ln>
-        </p:spPr>
-        <p:txBody>
-          <a:bodyPr spcFirstLastPara="1" wrap="square" lIns="91425" tIns="91425" rIns="91425" bIns="91425" anchor="ctr" anchorCtr="0">
-            <a:noAutofit/>
-          </a:bodyPr>
-          <a:lstStyle/>
-          <a:p>
-            <a:pPr marL="0" lvl="0" indent="0" algn="l" rtl="0">
-              <a:spcBef>
-                <a:spcPts val="0"/>
-              </a:spcBef>
-              <a:spcAft>
-                <a:spcPts val="0"/>
-              </a:spcAft>
-              <a:buNone/>
-            </a:pPr>
-            <a:endParaRPr/>
-          </a:p>
-          <a:p>
-            <a:pPr marL="0" lvl="0" indent="0" algn="l" rtl="0">
-              <a:spcBef>
-                <a:spcPts val="0"/>
-              </a:spcBef>
-              <a:spcAft>
-                <a:spcPts val="0"/>
-              </a:spcAft>
-              <a:buNone/>
-            </a:pPr>
-            <a:endParaRPr/>
-          </a:p>
-        </p:txBody>
-      </p:sp>
-      <p:sp>
-        <p:nvSpPr>
-          <p:cNvPr id="63" name="Google Shape;63;p13"/>
-          <p:cNvSpPr txBox="1"/>
-          <p:nvPr/>
-        </p:nvSpPr>
-        <p:spPr>
-          <a:xfrm>
-            <a:off x="5698364" y="1324975"/>
-            <a:ext cx="1617900" cy="400200"/>
-          </a:xfrm>
-          <a:prstGeom prst="rect">
-            <a:avLst/>
-          </a:prstGeom>
-          <a:noFill/>
-          <a:ln>
-            <a:noFill/>
-          </a:ln>
-        </p:spPr>
-        <p:txBody>
-          <a:bodyPr spcFirstLastPara="1" wrap="square" lIns="91425" tIns="91425" rIns="91425" bIns="91425" anchor="t" anchorCtr="0">
-            <a:spAutoFit/>
-          </a:bodyPr>
-          <a:lstStyle/>
-          <a:p>
-            <a:pPr marL="0" lvl="0" indent="0" algn="ctr" rtl="0">
-              <a:spcBef>
-                <a:spcPts val="0"/>
-              </a:spcBef>
-              <a:spcAft>
-                <a:spcPts val="0"/>
-              </a:spcAft>
-              <a:buNone/>
-            </a:pPr>
-            <a:r>
-              <a:rPr lang="en"/>
-              <a:t>Valves</a:t>
-            </a:r>
-            <a:endParaRPr/>
-          </a:p>
-        </p:txBody>
-      </p:sp>
-      <p:sp>
-        <p:nvSpPr>
-          <p:cNvPr id="64" name="Google Shape;64;p13"/>
-          <p:cNvSpPr txBox="1"/>
-          <p:nvPr/>
-        </p:nvSpPr>
-        <p:spPr>
-          <a:xfrm>
-            <a:off x="3069484" y="247675"/>
-            <a:ext cx="542400" cy="338700"/>
-          </a:xfrm>
-          <a:prstGeom prst="rect">
-            <a:avLst/>
-          </a:prstGeom>
-          <a:noFill/>
-          <a:ln>
-            <a:noFill/>
-          </a:ln>
-        </p:spPr>
-        <p:txBody>
-          <a:bodyPr spcFirstLastPara="1" wrap="square" lIns="91425" tIns="91425" rIns="91425" bIns="91425" anchor="t" anchorCtr="0">
-            <a:spAutoFit/>
-          </a:bodyPr>
-          <a:lstStyle/>
-          <a:p>
-            <a:pPr marL="0" lvl="0" indent="0" algn="ctr" rtl="0">
-              <a:spcBef>
-                <a:spcPts val="0"/>
-              </a:spcBef>
-              <a:spcAft>
-                <a:spcPts val="0"/>
-              </a:spcAft>
-              <a:buNone/>
-            </a:pPr>
-            <a:r>
-              <a:rPr lang="en" sz="1000"/>
-              <a:t>BPA</a:t>
-            </a:r>
-            <a:endParaRPr sz="1000"/>
-          </a:p>
-        </p:txBody>
-      </p:sp>
-      <p:sp>
-        <p:nvSpPr>
-          <p:cNvPr id="65" name="Google Shape;65;p13"/>
-          <p:cNvSpPr txBox="1"/>
-          <p:nvPr/>
-        </p:nvSpPr>
-        <p:spPr>
-          <a:xfrm>
-            <a:off x="633175" y="4197125"/>
-            <a:ext cx="1982100" cy="400200"/>
-          </a:xfrm>
-          <a:prstGeom prst="rect">
-            <a:avLst/>
-          </a:prstGeom>
-          <a:noFill/>
-          <a:ln>
-            <a:noFill/>
-          </a:ln>
-        </p:spPr>
-        <p:txBody>
-          <a:bodyPr spcFirstLastPara="1" wrap="square" lIns="91425" tIns="91425" rIns="91425" bIns="91425" anchor="t" anchorCtr="0">
-            <a:spAutoFit/>
-          </a:bodyPr>
-          <a:lstStyle/>
-          <a:p>
-            <a:pPr marL="0" lvl="0" indent="0" algn="ctr" rtl="0">
-              <a:spcBef>
-                <a:spcPts val="0"/>
-              </a:spcBef>
-              <a:spcAft>
-                <a:spcPts val="0"/>
-              </a:spcAft>
-              <a:buNone/>
-            </a:pPr>
-            <a:r>
-              <a:rPr lang="en"/>
-              <a:t>Power Supply</a:t>
-            </a:r>
-            <a:endParaRPr/>
-          </a:p>
-        </p:txBody>
-      </p:sp>
-      <p:sp>
-        <p:nvSpPr>
-          <p:cNvPr id="66" name="Google Shape;66;p13"/>
-          <p:cNvSpPr txBox="1"/>
-          <p:nvPr/>
-        </p:nvSpPr>
-        <p:spPr>
-          <a:xfrm>
-            <a:off x="3733825" y="1895475"/>
-            <a:ext cx="1479300" cy="338700"/>
-          </a:xfrm>
-          <a:prstGeom prst="rect">
-            <a:avLst/>
-          </a:prstGeom>
-          <a:noFill/>
-          <a:ln>
-            <a:noFill/>
-          </a:ln>
-        </p:spPr>
-        <p:txBody>
-          <a:bodyPr spcFirstLastPara="1" wrap="square" lIns="91425" tIns="91425" rIns="91425" bIns="91425" anchor="t" anchorCtr="0">
-            <a:spAutoFit/>
-          </a:bodyPr>
-          <a:lstStyle/>
-          <a:p>
-            <a:pPr marL="0" lvl="0" indent="0" algn="ctr" rtl="0">
-              <a:spcBef>
-                <a:spcPts val="0"/>
-              </a:spcBef>
-              <a:spcAft>
-                <a:spcPts val="0"/>
-              </a:spcAft>
-              <a:buNone/>
-            </a:pPr>
-            <a:r>
-              <a:rPr lang="en" sz="1000"/>
-              <a:t>Pressure Sensor</a:t>
-            </a:r>
-            <a:endParaRPr sz="1000"/>
-          </a:p>
-        </p:txBody>
-      </p:sp>
-      <p:sp>
-        <p:nvSpPr>
-          <p:cNvPr id="67" name="Google Shape;67;p13"/>
-          <p:cNvSpPr/>
-          <p:nvPr/>
-        </p:nvSpPr>
-        <p:spPr>
-          <a:xfrm>
-            <a:off x="4209250" y="3295075"/>
-            <a:ext cx="1356200" cy="110500"/>
-          </a:xfrm>
-          <a:custGeom>
-            <a:avLst/>
-            <a:gdLst/>
-            <a:ahLst/>
-            <a:cxnLst/>
-            <a:rect l="l" t="t" r="r" b="b"/>
-            <a:pathLst>
-              <a:path w="54248" h="4420" extrusionOk="0">
-                <a:moveTo>
-                  <a:pt x="0" y="4420"/>
-                </a:moveTo>
-                <a:cubicBezTo>
-                  <a:pt x="9041" y="3683"/>
-                  <a:pt x="45207" y="737"/>
-                  <a:pt x="54248" y="0"/>
-                </a:cubicBezTo>
-              </a:path>
-            </a:pathLst>
-          </a:custGeom>
-          <a:noFill/>
-          <a:ln w="9525" cap="flat" cmpd="sng">
-            <a:solidFill>
-              <a:schemeClr val="dk2"/>
-            </a:solidFill>
-            <a:prstDash val="solid"/>
-            <a:round/>
-            <a:headEnd type="none" w="med" len="med"/>
-            <a:tailEnd type="none" w="med" len="med"/>
-          </a:ln>
-        </p:spPr>
-      </p:sp>
-      <p:sp>
-        <p:nvSpPr>
-          <p:cNvPr id="68" name="Google Shape;68;p13"/>
-          <p:cNvSpPr/>
-          <p:nvPr/>
-        </p:nvSpPr>
-        <p:spPr>
-          <a:xfrm>
-            <a:off x="3117650" y="3121178"/>
-            <a:ext cx="1081200" cy="684600"/>
-          </a:xfrm>
-          <a:prstGeom prst="rect">
-            <a:avLst/>
-          </a:prstGeom>
-          <a:noFill/>
-          <a:ln w="19050" cap="flat" cmpd="sng">
-            <a:solidFill>
-              <a:schemeClr val="dk1"/>
-            </a:solidFill>
-            <a:prstDash val="solid"/>
-            <a:round/>
-            <a:headEnd type="none" w="sm" len="sm"/>
-            <a:tailEnd type="none" w="sm" len="sm"/>
-          </a:ln>
-        </p:spPr>
-        <p:txBody>
-          <a:bodyPr spcFirstLastPara="1" wrap="square" lIns="91425" tIns="91425" rIns="91425" bIns="91425" anchor="ctr" anchorCtr="0">
-            <a:noAutofit/>
-          </a:bodyPr>
-          <a:lstStyle/>
-          <a:p>
-            <a:pPr marL="0" lvl="0" indent="0" algn="l" rtl="0">
-              <a:spcBef>
-                <a:spcPts val="0"/>
-              </a:spcBef>
-              <a:spcAft>
-                <a:spcPts val="0"/>
-              </a:spcAft>
-              <a:buNone/>
-            </a:pPr>
-            <a:endParaRPr/>
-          </a:p>
-        </p:txBody>
-      </p:sp>
-      <p:sp>
-        <p:nvSpPr>
-          <p:cNvPr id="69" name="Google Shape;69;p13"/>
-          <p:cNvSpPr txBox="1"/>
-          <p:nvPr/>
-        </p:nvSpPr>
-        <p:spPr>
-          <a:xfrm>
-            <a:off x="3106775" y="2753413"/>
-            <a:ext cx="1725900" cy="400200"/>
-          </a:xfrm>
-          <a:prstGeom prst="rect">
-            <a:avLst/>
-          </a:prstGeom>
-          <a:noFill/>
-          <a:ln>
-            <a:noFill/>
-          </a:ln>
-        </p:spPr>
-        <p:txBody>
-          <a:bodyPr spcFirstLastPara="1" wrap="square" lIns="91425" tIns="91425" rIns="91425" bIns="91425" anchor="t" anchorCtr="0">
-            <a:spAutoFit/>
-          </a:bodyPr>
-          <a:lstStyle/>
-          <a:p>
-            <a:pPr marL="0" lvl="0" indent="0" algn="ctr" rtl="0">
-              <a:spcBef>
-                <a:spcPts val="0"/>
-              </a:spcBef>
-              <a:spcAft>
-                <a:spcPts val="0"/>
-              </a:spcAft>
-              <a:buNone/>
-            </a:pPr>
-            <a:r>
-              <a:rPr lang="en"/>
-              <a:t>Microcontroller</a:t>
-            </a:r>
-            <a:endParaRPr/>
-          </a:p>
-        </p:txBody>
-      </p:sp>
-      <p:sp>
-        <p:nvSpPr>
-          <p:cNvPr id="70" name="Google Shape;70;p13"/>
-          <p:cNvSpPr/>
-          <p:nvPr/>
-        </p:nvSpPr>
-        <p:spPr>
-          <a:xfrm>
-            <a:off x="5736225" y="2642100"/>
-            <a:ext cx="602750" cy="622825"/>
-          </a:xfrm>
-          <a:custGeom>
-            <a:avLst/>
-            <a:gdLst/>
-            <a:ahLst/>
-            <a:cxnLst/>
-            <a:rect l="l" t="t" r="r" b="b"/>
-            <a:pathLst>
-              <a:path w="24110" h="24913" extrusionOk="0">
-                <a:moveTo>
-                  <a:pt x="0" y="24913"/>
-                </a:moveTo>
-                <a:cubicBezTo>
-                  <a:pt x="3416" y="23909"/>
-                  <a:pt x="16476" y="23038"/>
-                  <a:pt x="20494" y="18886"/>
-                </a:cubicBezTo>
-                <a:cubicBezTo>
-                  <a:pt x="24512" y="14734"/>
-                  <a:pt x="23507" y="3148"/>
-                  <a:pt x="24110" y="0"/>
-                </a:cubicBezTo>
-              </a:path>
-            </a:pathLst>
-          </a:custGeom>
-          <a:noFill/>
-          <a:ln w="9525" cap="flat" cmpd="sng">
-            <a:solidFill>
-              <a:schemeClr val="dk2"/>
-            </a:solidFill>
-            <a:prstDash val="solid"/>
-            <a:round/>
-            <a:headEnd type="none" w="med" len="med"/>
-            <a:tailEnd type="none" w="med" len="med"/>
-          </a:ln>
-        </p:spPr>
-      </p:sp>
-      <p:grpSp>
-        <p:nvGrpSpPr>
-          <p:cNvPr id="71" name="Google Shape;71;p13"/>
-          <p:cNvGrpSpPr/>
-          <p:nvPr/>
-        </p:nvGrpSpPr>
-        <p:grpSpPr>
-          <a:xfrm>
-            <a:off x="4599125" y="2763450"/>
-            <a:ext cx="2093400" cy="612050"/>
-            <a:chOff x="4599125" y="2763450"/>
-            <a:chExt cx="2093400" cy="612050"/>
-          </a:xfrm>
-        </p:grpSpPr>
-        <p:sp>
-          <p:nvSpPr>
-            <p:cNvPr id="72" name="Google Shape;72;p13"/>
-            <p:cNvSpPr/>
-            <p:nvPr/>
-          </p:nvSpPr>
-          <p:spPr>
-            <a:xfrm>
-              <a:off x="5555375" y="3194600"/>
-              <a:ext cx="180900" cy="180900"/>
-            </a:xfrm>
-            <a:prstGeom prst="ellipse">
-              <a:avLst/>
-            </a:prstGeom>
-            <a:noFill/>
-            <a:ln w="19050" cap="flat" cmpd="sng">
-              <a:solidFill>
-                <a:schemeClr val="dk1"/>
-              </a:solidFill>
-              <a:prstDash val="solid"/>
-              <a:round/>
-              <a:headEnd type="none" w="sm" len="sm"/>
-              <a:tailEnd type="none" w="sm" len="sm"/>
-            </a:ln>
-          </p:spPr>
-          <p:txBody>
-            <a:bodyPr spcFirstLastPara="1" wrap="square" lIns="91425" tIns="91425" rIns="91425" bIns="91425" anchor="ctr" anchorCtr="0">
-              <a:noAutofit/>
-            </a:bodyPr>
-            <a:lstStyle/>
-            <a:p>
-              <a:pPr marL="0" lvl="0" indent="0" algn="l" rtl="0">
-                <a:spcBef>
-                  <a:spcPts val="0"/>
-                </a:spcBef>
-                <a:spcAft>
-                  <a:spcPts val="0"/>
-                </a:spcAft>
-                <a:buNone/>
-              </a:pPr>
-              <a:endParaRPr/>
-            </a:p>
-          </p:txBody>
-        </p:sp>
-        <p:sp>
-          <p:nvSpPr>
-            <p:cNvPr id="73" name="Google Shape;73;p13"/>
-            <p:cNvSpPr txBox="1"/>
-            <p:nvPr/>
-          </p:nvSpPr>
-          <p:spPr>
-            <a:xfrm>
-              <a:off x="4599125" y="2763450"/>
-              <a:ext cx="2093400" cy="400200"/>
-            </a:xfrm>
-            <a:prstGeom prst="rect">
-              <a:avLst/>
-            </a:prstGeom>
-            <a:noFill/>
-            <a:ln>
-              <a:noFill/>
-            </a:ln>
-          </p:spPr>
-          <p:txBody>
-            <a:bodyPr spcFirstLastPara="1" wrap="square" lIns="91425" tIns="91425" rIns="91425" bIns="91425" anchor="t" anchorCtr="0">
-              <a:spAutoFit/>
-            </a:bodyPr>
-            <a:lstStyle/>
-            <a:p>
-              <a:pPr marL="0" lvl="0" indent="0" algn="ctr" rtl="0">
-                <a:spcBef>
-                  <a:spcPts val="0"/>
-                </a:spcBef>
-                <a:spcAft>
-                  <a:spcPts val="0"/>
-                </a:spcAft>
-                <a:buNone/>
-              </a:pPr>
-              <a:r>
-                <a:rPr lang="en"/>
-                <a:t>Transistor</a:t>
-              </a:r>
-              <a:endParaRPr/>
-            </a:p>
-          </p:txBody>
-        </p:sp>
-      </p:grpSp>
-      <p:sp>
-        <p:nvSpPr>
-          <p:cNvPr id="74" name="Google Shape;74;p13"/>
-          <p:cNvSpPr txBox="1"/>
-          <p:nvPr/>
-        </p:nvSpPr>
-        <p:spPr>
-          <a:xfrm>
-            <a:off x="28625" y="1024900"/>
-            <a:ext cx="1617900" cy="477000"/>
-          </a:xfrm>
-          <a:prstGeom prst="rect">
-            <a:avLst/>
-          </a:prstGeom>
-          <a:noFill/>
-          <a:ln>
-            <a:noFill/>
-          </a:ln>
-        </p:spPr>
-        <p:txBody>
-          <a:bodyPr spcFirstLastPara="1" wrap="square" lIns="91425" tIns="91425" rIns="91425" bIns="91425" anchor="t" anchorCtr="0">
-            <a:spAutoFit/>
-          </a:bodyPr>
-          <a:lstStyle/>
-          <a:p>
-            <a:pPr marL="0" lvl="0" indent="0" algn="ctr" rtl="0">
-              <a:spcBef>
-                <a:spcPts val="0"/>
-              </a:spcBef>
-              <a:spcAft>
-                <a:spcPts val="0"/>
-              </a:spcAft>
-              <a:buNone/>
-            </a:pPr>
-            <a:r>
-              <a:rPr lang="en" sz="1900"/>
-              <a:t>Knee Joint</a:t>
-            </a:r>
-            <a:endParaRPr sz="1900"/>
-          </a:p>
-        </p:txBody>
-      </p:sp>
-      <p:sp>
-        <p:nvSpPr>
-          <p:cNvPr id="75" name="Google Shape;75;p13"/>
-          <p:cNvSpPr/>
-          <p:nvPr/>
-        </p:nvSpPr>
-        <p:spPr>
-          <a:xfrm>
-            <a:off x="5888150" y="2332925"/>
-            <a:ext cx="180900" cy="180900"/>
-          </a:xfrm>
-          <a:prstGeom prst="ellipse">
-            <a:avLst/>
-          </a:prstGeom>
-          <a:noFill/>
-          <a:ln w="9525" cap="flat" cmpd="sng">
-            <a:solidFill>
-              <a:schemeClr val="dk1"/>
-            </a:solidFill>
-            <a:prstDash val="solid"/>
-            <a:round/>
-            <a:headEnd type="none" w="sm" len="sm"/>
-            <a:tailEnd type="none" w="sm" len="sm"/>
-          </a:ln>
-        </p:spPr>
-        <p:txBody>
-          <a:bodyPr spcFirstLastPara="1" wrap="square" lIns="91425" tIns="91425" rIns="91425" bIns="91425" anchor="ctr" anchorCtr="0">
-            <a:noAutofit/>
-          </a:bodyPr>
-          <a:lstStyle/>
-          <a:p>
-            <a:pPr marL="0" lvl="0" indent="0" algn="l" rtl="0">
-              <a:spcBef>
-                <a:spcPts val="0"/>
-              </a:spcBef>
-              <a:spcAft>
-                <a:spcPts val="0"/>
-              </a:spcAft>
-              <a:buNone/>
-            </a:pPr>
-            <a:endParaRPr/>
-          </a:p>
-        </p:txBody>
-      </p:sp>
-      <p:sp>
-        <p:nvSpPr>
-          <p:cNvPr id="76" name="Google Shape;76;p13"/>
-          <p:cNvSpPr/>
-          <p:nvPr/>
-        </p:nvSpPr>
-        <p:spPr>
-          <a:xfrm>
-            <a:off x="6158075" y="2332925"/>
-            <a:ext cx="180900" cy="180900"/>
-          </a:xfrm>
-          <a:prstGeom prst="ellipse">
-            <a:avLst/>
-          </a:prstGeom>
-          <a:noFill/>
-          <a:ln w="9525" cap="flat" cmpd="sng">
-            <a:solidFill>
-              <a:schemeClr val="dk1"/>
-            </a:solidFill>
-            <a:prstDash val="solid"/>
-            <a:round/>
-            <a:headEnd type="none" w="sm" len="sm"/>
-            <a:tailEnd type="none" w="sm" len="sm"/>
-          </a:ln>
-        </p:spPr>
-        <p:txBody>
-          <a:bodyPr spcFirstLastPara="1" wrap="square" lIns="91425" tIns="91425" rIns="91425" bIns="91425" anchor="ctr" anchorCtr="0">
-            <a:noAutofit/>
-          </a:bodyPr>
-          <a:lstStyle/>
-          <a:p>
-            <a:pPr marL="0" lvl="0" indent="0" algn="l" rtl="0">
-              <a:spcBef>
-                <a:spcPts val="0"/>
-              </a:spcBef>
-              <a:spcAft>
-                <a:spcPts val="0"/>
-              </a:spcAft>
-              <a:buNone/>
-            </a:pPr>
-            <a:endParaRPr/>
-          </a:p>
-        </p:txBody>
-      </p:sp>
-      <p:sp>
-        <p:nvSpPr>
-          <p:cNvPr id="77" name="Google Shape;77;p13"/>
-          <p:cNvSpPr/>
-          <p:nvPr/>
-        </p:nvSpPr>
-        <p:spPr>
-          <a:xfrm>
-            <a:off x="6428000" y="2332925"/>
-            <a:ext cx="180900" cy="180900"/>
-          </a:xfrm>
-          <a:prstGeom prst="ellipse">
-            <a:avLst/>
-          </a:prstGeom>
-          <a:noFill/>
-          <a:ln w="9525" cap="flat" cmpd="sng">
-            <a:solidFill>
-              <a:schemeClr val="dk1"/>
-            </a:solidFill>
-            <a:prstDash val="solid"/>
-            <a:round/>
-            <a:headEnd type="none" w="sm" len="sm"/>
-            <a:tailEnd type="none" w="sm" len="sm"/>
-          </a:ln>
-        </p:spPr>
-        <p:txBody>
-          <a:bodyPr spcFirstLastPara="1" wrap="square" lIns="91425" tIns="91425" rIns="91425" bIns="91425" anchor="ctr" anchorCtr="0">
-            <a:noAutofit/>
-          </a:bodyPr>
-          <a:lstStyle/>
-          <a:p>
-            <a:pPr marL="0" lvl="0" indent="0" algn="l" rtl="0">
-              <a:spcBef>
-                <a:spcPts val="0"/>
-              </a:spcBef>
-              <a:spcAft>
-                <a:spcPts val="0"/>
-              </a:spcAft>
-              <a:buNone/>
-            </a:pPr>
-            <a:endParaRPr/>
-          </a:p>
-        </p:txBody>
-      </p:sp>
-      <p:sp>
-        <p:nvSpPr>
-          <p:cNvPr id="78" name="Google Shape;78;p13"/>
-          <p:cNvSpPr/>
-          <p:nvPr/>
-        </p:nvSpPr>
-        <p:spPr>
-          <a:xfrm>
-            <a:off x="1726075" y="2397975"/>
-            <a:ext cx="351600" cy="231000"/>
-          </a:xfrm>
-          <a:prstGeom prst="rect">
-            <a:avLst/>
-          </a:prstGeom>
-          <a:noFill/>
-          <a:ln w="19050" cap="flat" cmpd="sng">
-            <a:solidFill>
-              <a:schemeClr val="dk1"/>
-            </a:solidFill>
-            <a:prstDash val="solid"/>
-            <a:round/>
-            <a:headEnd type="none" w="sm" len="sm"/>
-            <a:tailEnd type="none" w="sm" len="sm"/>
-          </a:ln>
-        </p:spPr>
-        <p:txBody>
-          <a:bodyPr spcFirstLastPara="1" wrap="square" lIns="91425" tIns="91425" rIns="91425" bIns="91425" anchor="ctr" anchorCtr="0">
-            <a:noAutofit/>
-          </a:bodyPr>
-          <a:lstStyle/>
-          <a:p>
-            <a:pPr marL="0" lvl="0" indent="0" algn="l" rtl="0">
-              <a:spcBef>
-                <a:spcPts val="0"/>
-              </a:spcBef>
-              <a:spcAft>
-                <a:spcPts val="0"/>
-              </a:spcAft>
-              <a:buNone/>
-            </a:pPr>
-            <a:endParaRPr/>
-          </a:p>
-        </p:txBody>
-      </p:sp>
-      <p:grpSp>
-        <p:nvGrpSpPr>
-          <p:cNvPr id="79" name="Google Shape;79;p13"/>
-          <p:cNvGrpSpPr/>
-          <p:nvPr/>
-        </p:nvGrpSpPr>
-        <p:grpSpPr>
-          <a:xfrm rot="5400000">
-            <a:off x="2283006" y="1231492"/>
-            <a:ext cx="401097" cy="469719"/>
-            <a:chOff x="-1138122" y="2304187"/>
-            <a:chExt cx="813750" cy="1054363"/>
-          </a:xfrm>
-        </p:grpSpPr>
-        <p:cxnSp>
-          <p:nvCxnSpPr>
-            <p:cNvPr id="80" name="Google Shape;80;p13"/>
-            <p:cNvCxnSpPr/>
-            <p:nvPr/>
-          </p:nvCxnSpPr>
-          <p:spPr>
-            <a:xfrm rot="10800000">
-              <a:off x="-1129399" y="3350337"/>
-              <a:ext cx="793200" cy="0"/>
-            </a:xfrm>
-            <a:prstGeom prst="straightConnector1">
-              <a:avLst/>
-            </a:prstGeom>
-            <a:noFill/>
-            <a:ln w="19050" cap="flat" cmpd="sng">
-              <a:solidFill>
-                <a:schemeClr val="dk1"/>
-              </a:solidFill>
-              <a:prstDash val="solid"/>
-              <a:round/>
-              <a:headEnd type="none" w="med" len="med"/>
-              <a:tailEnd type="none" w="med" len="med"/>
-            </a:ln>
-          </p:spPr>
-        </p:cxnSp>
-        <p:cxnSp>
-          <p:nvCxnSpPr>
-            <p:cNvPr id="81" name="Google Shape;81;p13"/>
-            <p:cNvCxnSpPr/>
-            <p:nvPr/>
-          </p:nvCxnSpPr>
-          <p:spPr>
-            <a:xfrm rot="10800000">
-              <a:off x="-895460" y="2530208"/>
-              <a:ext cx="561000" cy="0"/>
-            </a:xfrm>
-            <a:prstGeom prst="straightConnector1">
-              <a:avLst/>
-            </a:prstGeom>
-            <a:noFill/>
-            <a:ln w="19050" cap="flat" cmpd="sng">
-              <a:solidFill>
-                <a:schemeClr val="dk1"/>
-              </a:solidFill>
-              <a:prstDash val="solid"/>
-              <a:round/>
-              <a:headEnd type="none" w="med" len="med"/>
-              <a:tailEnd type="none" w="med" len="med"/>
-            </a:ln>
-          </p:spPr>
-        </p:cxnSp>
-        <p:cxnSp>
-          <p:nvCxnSpPr>
-            <p:cNvPr id="82" name="Google Shape;82;p13"/>
-            <p:cNvCxnSpPr/>
-            <p:nvPr/>
-          </p:nvCxnSpPr>
-          <p:spPr>
-            <a:xfrm>
-              <a:off x="-1135275" y="3146750"/>
-              <a:ext cx="0" cy="211800"/>
-            </a:xfrm>
-            <a:prstGeom prst="straightConnector1">
-              <a:avLst/>
-            </a:prstGeom>
-            <a:noFill/>
-            <a:ln w="19050" cap="flat" cmpd="sng">
-              <a:solidFill>
-                <a:schemeClr val="dk1"/>
-              </a:solidFill>
-              <a:prstDash val="solid"/>
-              <a:round/>
-              <a:headEnd type="none" w="med" len="med"/>
-              <a:tailEnd type="none" w="med" len="med"/>
-            </a:ln>
-          </p:spPr>
-        </p:cxnSp>
-        <p:cxnSp>
-          <p:nvCxnSpPr>
-            <p:cNvPr id="83" name="Google Shape;83;p13"/>
-            <p:cNvCxnSpPr/>
-            <p:nvPr/>
-          </p:nvCxnSpPr>
-          <p:spPr>
-            <a:xfrm rot="10800000">
-              <a:off x="-1135220" y="3148367"/>
-              <a:ext cx="561000" cy="0"/>
-            </a:xfrm>
-            <a:prstGeom prst="straightConnector1">
-              <a:avLst/>
-            </a:prstGeom>
-            <a:noFill/>
-            <a:ln w="19050" cap="flat" cmpd="sng">
-              <a:solidFill>
-                <a:schemeClr val="dk1"/>
-              </a:solidFill>
-              <a:prstDash val="solid"/>
-              <a:round/>
-              <a:headEnd type="none" w="med" len="med"/>
-              <a:tailEnd type="none" w="med" len="med"/>
-            </a:ln>
-          </p:spPr>
-        </p:cxnSp>
-        <p:cxnSp>
-          <p:nvCxnSpPr>
-            <p:cNvPr id="84" name="Google Shape;84;p13"/>
-            <p:cNvCxnSpPr/>
-            <p:nvPr/>
-          </p:nvCxnSpPr>
-          <p:spPr>
-            <a:xfrm rot="10800000">
-              <a:off x="-1135220" y="3002492"/>
-              <a:ext cx="561000" cy="0"/>
-            </a:xfrm>
-            <a:prstGeom prst="straightConnector1">
-              <a:avLst/>
-            </a:prstGeom>
-            <a:noFill/>
-            <a:ln w="19050" cap="flat" cmpd="sng">
-              <a:solidFill>
-                <a:schemeClr val="dk1"/>
-              </a:solidFill>
-              <a:prstDash val="solid"/>
-              <a:round/>
-              <a:headEnd type="none" w="med" len="med"/>
-              <a:tailEnd type="none" w="med" len="med"/>
-            </a:ln>
-          </p:spPr>
-        </p:cxnSp>
-        <p:cxnSp>
-          <p:nvCxnSpPr>
-            <p:cNvPr id="85" name="Google Shape;85;p13"/>
-            <p:cNvCxnSpPr/>
-            <p:nvPr/>
-          </p:nvCxnSpPr>
-          <p:spPr>
-            <a:xfrm>
-              <a:off x="-579770" y="3003016"/>
-              <a:ext cx="600" cy="147000"/>
-            </a:xfrm>
-            <a:prstGeom prst="straightConnector1">
-              <a:avLst/>
-            </a:prstGeom>
-            <a:noFill/>
-            <a:ln w="19050" cap="flat" cmpd="sng">
-              <a:solidFill>
-                <a:schemeClr val="dk1"/>
-              </a:solidFill>
-              <a:prstDash val="solid"/>
-              <a:round/>
-              <a:headEnd type="none" w="med" len="med"/>
-              <a:tailEnd type="none" w="med" len="med"/>
-            </a:ln>
-          </p:spPr>
-        </p:cxnSp>
-        <p:cxnSp>
-          <p:nvCxnSpPr>
-            <p:cNvPr id="86" name="Google Shape;86;p13"/>
-            <p:cNvCxnSpPr/>
-            <p:nvPr/>
-          </p:nvCxnSpPr>
-          <p:spPr>
-            <a:xfrm>
-              <a:off x="-895136" y="2523094"/>
-              <a:ext cx="600" cy="147000"/>
-            </a:xfrm>
-            <a:prstGeom prst="straightConnector1">
-              <a:avLst/>
-            </a:prstGeom>
-            <a:noFill/>
-            <a:ln w="19050" cap="flat" cmpd="sng">
-              <a:solidFill>
-                <a:schemeClr val="dk1"/>
-              </a:solidFill>
-              <a:prstDash val="solid"/>
-              <a:round/>
-              <a:headEnd type="none" w="med" len="med"/>
-              <a:tailEnd type="none" w="med" len="med"/>
-            </a:ln>
-          </p:spPr>
-        </p:cxnSp>
-        <p:cxnSp>
-          <p:nvCxnSpPr>
-            <p:cNvPr id="87" name="Google Shape;87;p13"/>
-            <p:cNvCxnSpPr/>
-            <p:nvPr/>
-          </p:nvCxnSpPr>
-          <p:spPr>
-            <a:xfrm rot="10800000">
-              <a:off x="-895460" y="2663051"/>
-              <a:ext cx="561000" cy="0"/>
-            </a:xfrm>
-            <a:prstGeom prst="straightConnector1">
-              <a:avLst/>
-            </a:prstGeom>
-            <a:noFill/>
-            <a:ln w="19050" cap="flat" cmpd="sng">
-              <a:solidFill>
-                <a:schemeClr val="dk1"/>
-              </a:solidFill>
-              <a:prstDash val="solid"/>
-              <a:round/>
-              <a:headEnd type="none" w="med" len="med"/>
-              <a:tailEnd type="none" w="med" len="med"/>
-            </a:ln>
-          </p:spPr>
-        </p:cxnSp>
-        <p:cxnSp>
-          <p:nvCxnSpPr>
-            <p:cNvPr id="88" name="Google Shape;88;p13"/>
-            <p:cNvCxnSpPr/>
-            <p:nvPr/>
-          </p:nvCxnSpPr>
-          <p:spPr>
-            <a:xfrm>
-              <a:off x="-330072" y="2663051"/>
-              <a:ext cx="5700" cy="695400"/>
-            </a:xfrm>
-            <a:prstGeom prst="straightConnector1">
-              <a:avLst/>
-            </a:prstGeom>
-            <a:noFill/>
-            <a:ln w="19050" cap="flat" cmpd="sng">
-              <a:solidFill>
-                <a:schemeClr val="dk1"/>
-              </a:solidFill>
-              <a:prstDash val="solid"/>
-              <a:round/>
-              <a:headEnd type="none" w="med" len="med"/>
-              <a:tailEnd type="none" w="med" len="med"/>
-            </a:ln>
-          </p:spPr>
-        </p:cxnSp>
-        <p:cxnSp>
-          <p:nvCxnSpPr>
-            <p:cNvPr id="89" name="Google Shape;89;p13"/>
-            <p:cNvCxnSpPr/>
-            <p:nvPr/>
-          </p:nvCxnSpPr>
-          <p:spPr>
-            <a:xfrm>
-              <a:off x="-330075" y="2317475"/>
-              <a:ext cx="0" cy="211800"/>
-            </a:xfrm>
-            <a:prstGeom prst="straightConnector1">
-              <a:avLst/>
-            </a:prstGeom>
-            <a:noFill/>
-            <a:ln w="19050" cap="flat" cmpd="sng">
-              <a:solidFill>
-                <a:schemeClr val="dk1"/>
-              </a:solidFill>
-              <a:prstDash val="solid"/>
-              <a:round/>
-              <a:headEnd type="none" w="med" len="med"/>
-              <a:tailEnd type="none" w="med" len="med"/>
-            </a:ln>
-          </p:spPr>
-        </p:cxnSp>
-        <p:cxnSp>
-          <p:nvCxnSpPr>
-            <p:cNvPr id="90" name="Google Shape;90;p13"/>
-            <p:cNvCxnSpPr/>
-            <p:nvPr/>
-          </p:nvCxnSpPr>
-          <p:spPr>
-            <a:xfrm rot="10800000">
-              <a:off x="-1135274" y="2304187"/>
-              <a:ext cx="810900" cy="1800"/>
-            </a:xfrm>
-            <a:prstGeom prst="straightConnector1">
-              <a:avLst/>
-            </a:prstGeom>
-            <a:noFill/>
-            <a:ln w="19050" cap="flat" cmpd="sng">
-              <a:solidFill>
-                <a:schemeClr val="dk1"/>
-              </a:solidFill>
-              <a:prstDash val="solid"/>
-              <a:round/>
-              <a:headEnd type="none" w="med" len="med"/>
-              <a:tailEnd type="none" w="med" len="med"/>
-            </a:ln>
-          </p:spPr>
-        </p:cxnSp>
-        <p:cxnSp>
-          <p:nvCxnSpPr>
-            <p:cNvPr id="91" name="Google Shape;91;p13"/>
-            <p:cNvCxnSpPr/>
-            <p:nvPr/>
-          </p:nvCxnSpPr>
-          <p:spPr>
-            <a:xfrm>
-              <a:off x="-1138122" y="2305976"/>
-              <a:ext cx="5700" cy="695400"/>
-            </a:xfrm>
-            <a:prstGeom prst="straightConnector1">
-              <a:avLst/>
-            </a:prstGeom>
-            <a:noFill/>
-            <a:ln w="19050" cap="flat" cmpd="sng">
-              <a:solidFill>
-                <a:schemeClr val="dk1"/>
-              </a:solidFill>
-              <a:prstDash val="solid"/>
-              <a:round/>
-              <a:headEnd type="none" w="med" len="med"/>
-              <a:tailEnd type="none" w="med" len="med"/>
-            </a:ln>
-          </p:spPr>
-        </p:cxnSp>
-      </p:grpSp>
-      <p:sp>
-        <p:nvSpPr>
-          <p:cNvPr id="92" name="Google Shape;92;p13"/>
-          <p:cNvSpPr txBox="1"/>
-          <p:nvPr/>
-        </p:nvSpPr>
-        <p:spPr>
-          <a:xfrm>
-            <a:off x="1600525" y="2576588"/>
-            <a:ext cx="602700" cy="400200"/>
-          </a:xfrm>
-          <a:prstGeom prst="rect">
-            <a:avLst/>
-          </a:prstGeom>
-          <a:noFill/>
-          <a:ln>
-            <a:noFill/>
-          </a:ln>
-        </p:spPr>
-        <p:txBody>
-          <a:bodyPr spcFirstLastPara="1" wrap="square" lIns="91425" tIns="91425" rIns="91425" bIns="91425" anchor="t" anchorCtr="0">
-            <a:spAutoFit/>
-          </a:bodyPr>
-          <a:lstStyle/>
-          <a:p>
-            <a:pPr marL="0" lvl="0" indent="0" algn="ctr" rtl="0">
-              <a:spcBef>
-                <a:spcPts val="0"/>
-              </a:spcBef>
-              <a:spcAft>
-                <a:spcPts val="0"/>
-              </a:spcAft>
-              <a:buNone/>
-            </a:pPr>
-            <a:r>
-              <a:rPr lang="en"/>
-              <a:t>Amp</a:t>
-            </a:r>
-            <a:endParaRPr/>
-          </a:p>
-        </p:txBody>
-      </p:sp>
-      <p:sp>
-        <p:nvSpPr>
-          <p:cNvPr id="93" name="Google Shape;93;p13"/>
-          <p:cNvSpPr/>
-          <p:nvPr/>
-        </p:nvSpPr>
-        <p:spPr>
-          <a:xfrm>
-            <a:off x="2085200" y="2513825"/>
-            <a:ext cx="1031025" cy="1042600"/>
-          </a:xfrm>
-          <a:custGeom>
-            <a:avLst/>
-            <a:gdLst/>
-            <a:ahLst/>
-            <a:cxnLst/>
-            <a:rect l="l" t="t" r="r" b="b"/>
-            <a:pathLst>
-              <a:path w="41241" h="41704" extrusionOk="0">
-                <a:moveTo>
-                  <a:pt x="0" y="0"/>
-                </a:moveTo>
-                <a:cubicBezTo>
-                  <a:pt x="4557" y="850"/>
-                  <a:pt x="22010" y="-1004"/>
-                  <a:pt x="27339" y="5097"/>
-                </a:cubicBezTo>
-                <a:cubicBezTo>
-                  <a:pt x="32668" y="11198"/>
-                  <a:pt x="29656" y="30506"/>
-                  <a:pt x="31973" y="36607"/>
-                </a:cubicBezTo>
-                <a:cubicBezTo>
-                  <a:pt x="34290" y="42708"/>
-                  <a:pt x="39696" y="40855"/>
-                  <a:pt x="41241" y="41704"/>
-                </a:cubicBezTo>
-              </a:path>
-            </a:pathLst>
-          </a:custGeom>
-          <a:noFill/>
-          <a:ln w="9525" cap="flat" cmpd="sng">
-            <a:solidFill>
-              <a:schemeClr val="dk2"/>
-            </a:solidFill>
-            <a:prstDash val="solid"/>
-            <a:round/>
-            <a:headEnd type="none" w="med" len="med"/>
-            <a:tailEnd type="none" w="med" len="med"/>
-          </a:ln>
-        </p:spPr>
-      </p:sp>
-      <p:sp>
-        <p:nvSpPr>
-          <p:cNvPr id="94" name="Google Shape;94;p13"/>
-          <p:cNvSpPr/>
-          <p:nvPr/>
-        </p:nvSpPr>
-        <p:spPr>
-          <a:xfrm>
-            <a:off x="6697925" y="2332925"/>
-            <a:ext cx="180900" cy="180900"/>
-          </a:xfrm>
-          <a:prstGeom prst="ellipse">
-            <a:avLst/>
-          </a:prstGeom>
-          <a:noFill/>
-          <a:ln w="9525" cap="flat" cmpd="sng">
-            <a:solidFill>
-              <a:schemeClr val="dk1"/>
-            </a:solidFill>
-            <a:prstDash val="solid"/>
-            <a:round/>
-            <a:headEnd type="none" w="sm" len="sm"/>
-            <a:tailEnd type="none" w="sm" len="sm"/>
-          </a:ln>
-        </p:spPr>
-        <p:txBody>
-          <a:bodyPr spcFirstLastPara="1" wrap="square" lIns="91425" tIns="91425" rIns="91425" bIns="91425" anchor="ctr" anchorCtr="0">
-            <a:noAutofit/>
-          </a:bodyPr>
-          <a:lstStyle/>
-          <a:p>
-            <a:pPr marL="0" lvl="0" indent="0" algn="l" rtl="0">
-              <a:spcBef>
-                <a:spcPts val="0"/>
-              </a:spcBef>
-              <a:spcAft>
-                <a:spcPts val="0"/>
-              </a:spcAft>
-              <a:buNone/>
-            </a:pPr>
-            <a:endParaRPr/>
-          </a:p>
-        </p:txBody>
-      </p:sp>
-      <p:sp>
-        <p:nvSpPr>
-          <p:cNvPr id="95" name="Google Shape;95;p13"/>
-          <p:cNvSpPr/>
-          <p:nvPr/>
-        </p:nvSpPr>
-        <p:spPr>
-          <a:xfrm>
-            <a:off x="5947875" y="2135125"/>
-            <a:ext cx="180900" cy="180900"/>
-          </a:xfrm>
-          <a:prstGeom prst="ellipse">
-            <a:avLst/>
-          </a:prstGeom>
-          <a:noFill/>
-          <a:ln w="9525" cap="flat" cmpd="sng">
-            <a:solidFill>
-              <a:schemeClr val="dk1"/>
-            </a:solidFill>
-            <a:prstDash val="solid"/>
-            <a:round/>
-            <a:headEnd type="none" w="sm" len="sm"/>
-            <a:tailEnd type="none" w="sm" len="sm"/>
-          </a:ln>
-        </p:spPr>
-        <p:txBody>
-          <a:bodyPr spcFirstLastPara="1" wrap="square" lIns="91425" tIns="91425" rIns="91425" bIns="91425" anchor="ctr" anchorCtr="0">
-            <a:noAutofit/>
-          </a:bodyPr>
-          <a:lstStyle/>
-          <a:p>
-            <a:pPr marL="0" lvl="0" indent="0" algn="l" rtl="0">
-              <a:spcBef>
-                <a:spcPts val="0"/>
-              </a:spcBef>
-              <a:spcAft>
-                <a:spcPts val="0"/>
-              </a:spcAft>
-              <a:buNone/>
-            </a:pPr>
-            <a:endParaRPr/>
-          </a:p>
-        </p:txBody>
-      </p:sp>
-      <p:sp>
-        <p:nvSpPr>
-          <p:cNvPr id="96" name="Google Shape;96;p13"/>
-          <p:cNvSpPr/>
-          <p:nvPr/>
-        </p:nvSpPr>
-        <p:spPr>
-          <a:xfrm>
-            <a:off x="6217800" y="2135125"/>
-            <a:ext cx="180900" cy="180900"/>
-          </a:xfrm>
-          <a:prstGeom prst="ellipse">
-            <a:avLst/>
-          </a:prstGeom>
-          <a:noFill/>
-          <a:ln w="9525" cap="flat" cmpd="sng">
-            <a:solidFill>
-              <a:schemeClr val="dk1"/>
-            </a:solidFill>
-            <a:prstDash val="solid"/>
-            <a:round/>
-            <a:headEnd type="none" w="sm" len="sm"/>
-            <a:tailEnd type="none" w="sm" len="sm"/>
-          </a:ln>
-        </p:spPr>
-        <p:txBody>
-          <a:bodyPr spcFirstLastPara="1" wrap="square" lIns="91425" tIns="91425" rIns="91425" bIns="91425" anchor="ctr" anchorCtr="0">
-            <a:noAutofit/>
-          </a:bodyPr>
-          <a:lstStyle/>
-          <a:p>
-            <a:pPr marL="0" lvl="0" indent="0" algn="l" rtl="0">
-              <a:spcBef>
-                <a:spcPts val="0"/>
-              </a:spcBef>
-              <a:spcAft>
-                <a:spcPts val="0"/>
-              </a:spcAft>
-              <a:buNone/>
-            </a:pPr>
-            <a:endParaRPr/>
-          </a:p>
-        </p:txBody>
-      </p:sp>
-      <p:sp>
-        <p:nvSpPr>
-          <p:cNvPr id="97" name="Google Shape;97;p13"/>
-          <p:cNvSpPr/>
-          <p:nvPr/>
-        </p:nvSpPr>
-        <p:spPr>
-          <a:xfrm>
-            <a:off x="6487725" y="2135125"/>
-            <a:ext cx="180900" cy="180900"/>
-          </a:xfrm>
-          <a:prstGeom prst="ellipse">
-            <a:avLst/>
-          </a:prstGeom>
-          <a:noFill/>
-          <a:ln w="9525" cap="flat" cmpd="sng">
-            <a:solidFill>
-              <a:schemeClr val="dk1"/>
-            </a:solidFill>
-            <a:prstDash val="solid"/>
-            <a:round/>
-            <a:headEnd type="none" w="sm" len="sm"/>
-            <a:tailEnd type="none" w="sm" len="sm"/>
-          </a:ln>
-        </p:spPr>
-        <p:txBody>
-          <a:bodyPr spcFirstLastPara="1" wrap="square" lIns="91425" tIns="91425" rIns="91425" bIns="91425" anchor="ctr" anchorCtr="0">
-            <a:noAutofit/>
-          </a:bodyPr>
-          <a:lstStyle/>
-          <a:p>
-            <a:pPr marL="0" lvl="0" indent="0" algn="l" rtl="0">
-              <a:spcBef>
-                <a:spcPts val="0"/>
-              </a:spcBef>
-              <a:spcAft>
-                <a:spcPts val="0"/>
-              </a:spcAft>
-              <a:buNone/>
-            </a:pPr>
-            <a:endParaRPr/>
-          </a:p>
-        </p:txBody>
-      </p:sp>
-      <p:sp>
-        <p:nvSpPr>
-          <p:cNvPr id="98" name="Google Shape;98;p13"/>
-          <p:cNvSpPr/>
-          <p:nvPr/>
-        </p:nvSpPr>
-        <p:spPr>
-          <a:xfrm>
-            <a:off x="6757650" y="2135125"/>
-            <a:ext cx="180900" cy="180900"/>
-          </a:xfrm>
-          <a:prstGeom prst="ellipse">
-            <a:avLst/>
-          </a:prstGeom>
-          <a:noFill/>
-          <a:ln w="9525" cap="flat" cmpd="sng">
-            <a:solidFill>
-              <a:schemeClr val="dk1"/>
-            </a:solidFill>
-            <a:prstDash val="solid"/>
-            <a:round/>
-            <a:headEnd type="none" w="sm" len="sm"/>
-            <a:tailEnd type="none" w="sm" len="sm"/>
-          </a:ln>
-        </p:spPr>
-        <p:txBody>
-          <a:bodyPr spcFirstLastPara="1" wrap="square" lIns="91425" tIns="91425" rIns="91425" bIns="91425" anchor="ctr" anchorCtr="0">
-            <a:noAutofit/>
-          </a:bodyPr>
-          <a:lstStyle/>
-          <a:p>
-            <a:pPr marL="0" lvl="0" indent="0" algn="l" rtl="0">
-              <a:spcBef>
-                <a:spcPts val="0"/>
-              </a:spcBef>
-              <a:spcAft>
-                <a:spcPts val="0"/>
-              </a:spcAft>
-              <a:buNone/>
-            </a:pPr>
-            <a:endParaRPr/>
-          </a:p>
-        </p:txBody>
-      </p:sp>
-      <p:cxnSp>
-        <p:nvCxnSpPr>
-          <p:cNvPr id="99" name="Google Shape;99;p13"/>
-          <p:cNvCxnSpPr/>
-          <p:nvPr/>
-        </p:nvCxnSpPr>
-        <p:spPr>
-          <a:xfrm rot="10800000" flipH="1">
-            <a:off x="815125" y="4159250"/>
-            <a:ext cx="1378500" cy="8100"/>
-          </a:xfrm>
-          <a:prstGeom prst="straightConnector1">
-            <a:avLst/>
-          </a:prstGeom>
-          <a:noFill/>
-          <a:ln w="19050" cap="flat" cmpd="sng">
-            <a:solidFill>
-              <a:schemeClr val="dk1"/>
-            </a:solidFill>
-            <a:prstDash val="solid"/>
-            <a:round/>
-            <a:headEnd type="none" w="med" len="med"/>
-            <a:tailEnd type="none" w="med" len="med"/>
-          </a:ln>
-        </p:spPr>
-      </p:cxnSp>
-      <p:cxnSp>
-        <p:nvCxnSpPr>
-          <p:cNvPr id="100" name="Google Shape;100;p13"/>
-          <p:cNvCxnSpPr/>
-          <p:nvPr/>
-        </p:nvCxnSpPr>
-        <p:spPr>
-          <a:xfrm rot="10800000" flipH="1">
-            <a:off x="2193625" y="3006950"/>
-            <a:ext cx="9600" cy="1152300"/>
-          </a:xfrm>
-          <a:prstGeom prst="straightConnector1">
-            <a:avLst/>
-          </a:prstGeom>
-          <a:noFill/>
-          <a:ln w="19050" cap="flat" cmpd="sng">
-            <a:solidFill>
-              <a:schemeClr val="dk1"/>
-            </a:solidFill>
-            <a:prstDash val="solid"/>
-            <a:round/>
-            <a:headEnd type="none" w="med" len="med"/>
-            <a:tailEnd type="none" w="med" len="med"/>
-          </a:ln>
-        </p:spPr>
-      </p:cxnSp>
-      <p:cxnSp>
-        <p:nvCxnSpPr>
-          <p:cNvPr id="101" name="Google Shape;101;p13"/>
-          <p:cNvCxnSpPr/>
-          <p:nvPr/>
-        </p:nvCxnSpPr>
-        <p:spPr>
-          <a:xfrm>
-            <a:off x="1141400" y="3006575"/>
-            <a:ext cx="1052100" cy="300"/>
-          </a:xfrm>
-          <a:prstGeom prst="straightConnector1">
-            <a:avLst/>
-          </a:prstGeom>
-          <a:noFill/>
-          <a:ln w="19050" cap="flat" cmpd="sng">
-            <a:solidFill>
-              <a:schemeClr val="dk1"/>
-            </a:solidFill>
-            <a:prstDash val="solid"/>
-            <a:round/>
-            <a:headEnd type="none" w="med" len="med"/>
-            <a:tailEnd type="none" w="med" len="med"/>
-          </a:ln>
-        </p:spPr>
-      </p:cxnSp>
-      <p:cxnSp>
-        <p:nvCxnSpPr>
-          <p:cNvPr id="102" name="Google Shape;102;p13"/>
-          <p:cNvCxnSpPr/>
-          <p:nvPr/>
-        </p:nvCxnSpPr>
-        <p:spPr>
-          <a:xfrm rot="10800000">
-            <a:off x="1151075" y="3007000"/>
-            <a:ext cx="13500" cy="798900"/>
-          </a:xfrm>
-          <a:prstGeom prst="straightConnector1">
-            <a:avLst/>
-          </a:prstGeom>
-          <a:noFill/>
-          <a:ln w="19050" cap="flat" cmpd="sng">
-            <a:solidFill>
-              <a:schemeClr val="dk1"/>
-            </a:solidFill>
-            <a:prstDash val="solid"/>
-            <a:round/>
-            <a:headEnd type="none" w="med" len="med"/>
-            <a:tailEnd type="none" w="med" len="med"/>
-          </a:ln>
-        </p:spPr>
-      </p:cxnSp>
-      <p:cxnSp>
-        <p:nvCxnSpPr>
-          <p:cNvPr id="103" name="Google Shape;103;p13"/>
-          <p:cNvCxnSpPr/>
-          <p:nvPr/>
-        </p:nvCxnSpPr>
-        <p:spPr>
-          <a:xfrm rot="10800000">
-            <a:off x="817175" y="3802600"/>
-            <a:ext cx="347400" cy="3300"/>
-          </a:xfrm>
-          <a:prstGeom prst="straightConnector1">
-            <a:avLst/>
-          </a:prstGeom>
-          <a:noFill/>
-          <a:ln w="19050" cap="flat" cmpd="sng">
-            <a:solidFill>
-              <a:schemeClr val="dk1"/>
-            </a:solidFill>
-            <a:prstDash val="solid"/>
-            <a:round/>
-            <a:headEnd type="none" w="med" len="med"/>
-            <a:tailEnd type="none" w="med" len="med"/>
-          </a:ln>
-        </p:spPr>
-      </p:cxnSp>
-      <p:cxnSp>
-        <p:nvCxnSpPr>
-          <p:cNvPr id="104" name="Google Shape;104;p13"/>
-          <p:cNvCxnSpPr/>
-          <p:nvPr/>
-        </p:nvCxnSpPr>
-        <p:spPr>
-          <a:xfrm flipH="1">
-            <a:off x="815125" y="3805900"/>
-            <a:ext cx="300" cy="350700"/>
-          </a:xfrm>
-          <a:prstGeom prst="straightConnector1">
-            <a:avLst/>
-          </a:prstGeom>
-          <a:noFill/>
-          <a:ln w="19050" cap="flat" cmpd="sng">
-            <a:solidFill>
-              <a:schemeClr val="dk1"/>
-            </a:solidFill>
-            <a:prstDash val="solid"/>
-            <a:round/>
-            <a:headEnd type="none" w="med" len="med"/>
-            <a:tailEnd type="none" w="med" len="med"/>
-          </a:ln>
-        </p:spPr>
-      </p:cxnSp>
-      <p:sp>
-        <p:nvSpPr>
-          <p:cNvPr id="105" name="Google Shape;105;p13"/>
-          <p:cNvSpPr/>
-          <p:nvPr/>
-        </p:nvSpPr>
-        <p:spPr>
-          <a:xfrm>
-            <a:off x="3663800" y="1927225"/>
-            <a:ext cx="180900" cy="180900"/>
-          </a:xfrm>
-          <a:prstGeom prst="ellipse">
-            <a:avLst/>
-          </a:prstGeom>
-          <a:solidFill>
-            <a:schemeClr val="lt1"/>
-          </a:solidFill>
-          <a:ln w="19050" cap="flat" cmpd="sng">
-            <a:solidFill>
-              <a:schemeClr val="dk1"/>
-            </a:solidFill>
-            <a:prstDash val="solid"/>
-            <a:round/>
-            <a:headEnd type="none" w="sm" len="sm"/>
-            <a:tailEnd type="none" w="sm" len="sm"/>
-          </a:ln>
-        </p:spPr>
-        <p:txBody>
-          <a:bodyPr spcFirstLastPara="1" wrap="square" lIns="91425" tIns="91425" rIns="91425" bIns="91425" anchor="ctr" anchorCtr="0">
-            <a:noAutofit/>
-          </a:bodyPr>
-          <a:lstStyle/>
-          <a:p>
-            <a:pPr marL="0" lvl="0" indent="0" algn="l" rtl="0">
-              <a:spcBef>
-                <a:spcPts val="0"/>
-              </a:spcBef>
-              <a:spcAft>
-                <a:spcPts val="0"/>
-              </a:spcAft>
-              <a:buNone/>
-            </a:pPr>
-            <a:endParaRPr/>
-          </a:p>
-        </p:txBody>
-      </p:sp>
-      <p:sp>
-        <p:nvSpPr>
-          <p:cNvPr id="106" name="Google Shape;106;p13"/>
-          <p:cNvSpPr txBox="1"/>
-          <p:nvPr/>
-        </p:nvSpPr>
-        <p:spPr>
-          <a:xfrm>
-            <a:off x="858250" y="131525"/>
-            <a:ext cx="1173000" cy="307800"/>
-          </a:xfrm>
-          <a:prstGeom prst="rect">
-            <a:avLst/>
-          </a:prstGeom>
-          <a:noFill/>
-          <a:ln>
-            <a:noFill/>
-          </a:ln>
-        </p:spPr>
-        <p:txBody>
-          <a:bodyPr spcFirstLastPara="1" wrap="square" lIns="91425" tIns="91425" rIns="91425" bIns="91425" anchor="t" anchorCtr="0">
-            <a:spAutoFit/>
-          </a:bodyPr>
-          <a:lstStyle/>
-          <a:p>
-            <a:pPr marL="0" lvl="0" indent="0" algn="ctr" rtl="0">
-              <a:spcBef>
-                <a:spcPts val="0"/>
-              </a:spcBef>
-              <a:spcAft>
-                <a:spcPts val="0"/>
-              </a:spcAft>
-              <a:buNone/>
-            </a:pPr>
-            <a:r>
-              <a:rPr lang="en" sz="800"/>
-              <a:t>Physical Connection</a:t>
-            </a:r>
-            <a:endParaRPr sz="800"/>
-          </a:p>
-        </p:txBody>
-      </p:sp>
-      <p:sp>
-        <p:nvSpPr>
-          <p:cNvPr id="107" name="Google Shape;107;p13"/>
-          <p:cNvSpPr txBox="1"/>
-          <p:nvPr/>
-        </p:nvSpPr>
-        <p:spPr>
-          <a:xfrm>
-            <a:off x="4859525" y="1159425"/>
-            <a:ext cx="351600" cy="307800"/>
-          </a:xfrm>
-          <a:prstGeom prst="rect">
-            <a:avLst/>
-          </a:prstGeom>
-          <a:noFill/>
-          <a:ln>
-            <a:noFill/>
-          </a:ln>
-        </p:spPr>
-        <p:txBody>
-          <a:bodyPr spcFirstLastPara="1" wrap="square" lIns="91425" tIns="91425" rIns="91425" bIns="91425" anchor="t" anchorCtr="0">
-            <a:spAutoFit/>
-          </a:bodyPr>
-          <a:lstStyle/>
-          <a:p>
-            <a:pPr marL="0" lvl="0" indent="0" algn="ctr" rtl="0">
-              <a:spcBef>
-                <a:spcPts val="0"/>
-              </a:spcBef>
-              <a:spcAft>
-                <a:spcPts val="0"/>
-              </a:spcAft>
-              <a:buNone/>
-            </a:pPr>
-            <a:r>
-              <a:rPr lang="en" sz="800"/>
-              <a:t>Air</a:t>
-            </a:r>
-            <a:endParaRPr sz="800"/>
-          </a:p>
-        </p:txBody>
-      </p:sp>
-      <p:sp>
-        <p:nvSpPr>
-          <p:cNvPr id="108" name="Google Shape;108;p13"/>
-          <p:cNvSpPr txBox="1"/>
-          <p:nvPr/>
-        </p:nvSpPr>
-        <p:spPr>
-          <a:xfrm>
-            <a:off x="3669875" y="1628225"/>
-            <a:ext cx="351600" cy="307800"/>
-          </a:xfrm>
-          <a:prstGeom prst="rect">
-            <a:avLst/>
-          </a:prstGeom>
-          <a:noFill/>
-          <a:ln>
-            <a:noFill/>
-          </a:ln>
-        </p:spPr>
-        <p:txBody>
-          <a:bodyPr spcFirstLastPara="1" wrap="square" lIns="91425" tIns="91425" rIns="91425" bIns="91425" anchor="t" anchorCtr="0">
-            <a:spAutoFit/>
-          </a:bodyPr>
-          <a:lstStyle/>
-          <a:p>
-            <a:pPr marL="0" lvl="0" indent="0" algn="ctr" rtl="0">
-              <a:spcBef>
-                <a:spcPts val="0"/>
-              </a:spcBef>
-              <a:spcAft>
-                <a:spcPts val="0"/>
-              </a:spcAft>
-              <a:buNone/>
-            </a:pPr>
-            <a:r>
-              <a:rPr lang="en" sz="800"/>
-              <a:t>Air</a:t>
-            </a:r>
-            <a:endParaRPr sz="800"/>
-          </a:p>
-        </p:txBody>
-      </p:sp>
-      <p:sp>
-        <p:nvSpPr>
-          <p:cNvPr id="109" name="Google Shape;109;p13"/>
-          <p:cNvSpPr txBox="1"/>
-          <p:nvPr/>
-        </p:nvSpPr>
-        <p:spPr>
-          <a:xfrm>
-            <a:off x="1552388" y="1471600"/>
-            <a:ext cx="914700" cy="400200"/>
-          </a:xfrm>
-          <a:prstGeom prst="rect">
-            <a:avLst/>
-          </a:prstGeom>
-          <a:noFill/>
-          <a:ln>
-            <a:noFill/>
-          </a:ln>
-        </p:spPr>
-        <p:txBody>
-          <a:bodyPr spcFirstLastPara="1" wrap="square" lIns="91425" tIns="91425" rIns="91425" bIns="91425" anchor="t" anchorCtr="0">
-            <a:spAutoFit/>
-          </a:bodyPr>
-          <a:lstStyle/>
-          <a:p>
-            <a:pPr marL="0" lvl="0" indent="0" algn="ctr" rtl="0">
-              <a:spcBef>
-                <a:spcPts val="0"/>
-              </a:spcBef>
-              <a:spcAft>
-                <a:spcPts val="0"/>
-              </a:spcAft>
-              <a:buNone/>
-            </a:pPr>
-            <a:r>
-              <a:rPr lang="en" sz="700"/>
-              <a:t>Physical Connection</a:t>
-            </a:r>
-            <a:endParaRPr sz="700"/>
-          </a:p>
-        </p:txBody>
-      </p:sp>
-      <p:sp>
-        <p:nvSpPr>
-          <p:cNvPr id="110" name="Google Shape;110;p13"/>
-          <p:cNvSpPr txBox="1"/>
-          <p:nvPr/>
-        </p:nvSpPr>
-        <p:spPr>
-          <a:xfrm>
-            <a:off x="6428000" y="3506925"/>
-            <a:ext cx="508500" cy="307800"/>
-          </a:xfrm>
-          <a:prstGeom prst="rect">
-            <a:avLst/>
-          </a:prstGeom>
-          <a:noFill/>
-          <a:ln>
-            <a:noFill/>
-          </a:ln>
-        </p:spPr>
-        <p:txBody>
-          <a:bodyPr spcFirstLastPara="1" wrap="square" lIns="91425" tIns="91425" rIns="91425" bIns="91425" anchor="t" anchorCtr="0">
-            <a:spAutoFit/>
-          </a:bodyPr>
-          <a:lstStyle/>
-          <a:p>
-            <a:pPr marL="0" lvl="0" indent="0" algn="ctr" rtl="0">
-              <a:spcBef>
-                <a:spcPts val="0"/>
-              </a:spcBef>
-              <a:spcAft>
-                <a:spcPts val="0"/>
-              </a:spcAft>
-              <a:buNone/>
-            </a:pPr>
-            <a:r>
-              <a:rPr lang="en" sz="800"/>
-              <a:t>24V</a:t>
-            </a:r>
-            <a:endParaRPr sz="800"/>
-          </a:p>
-        </p:txBody>
-      </p:sp>
-      <p:sp>
-        <p:nvSpPr>
-          <p:cNvPr id="111" name="Google Shape;111;p13"/>
-          <p:cNvSpPr/>
-          <p:nvPr/>
-        </p:nvSpPr>
-        <p:spPr>
-          <a:xfrm>
-            <a:off x="2195775" y="2631025"/>
-            <a:ext cx="4334675" cy="1690650"/>
-          </a:xfrm>
-          <a:custGeom>
-            <a:avLst/>
-            <a:gdLst/>
-            <a:ahLst/>
-            <a:cxnLst/>
-            <a:rect l="l" t="t" r="r" b="b"/>
-            <a:pathLst>
-              <a:path w="173387" h="67626" extrusionOk="0">
-                <a:moveTo>
-                  <a:pt x="0" y="53576"/>
-                </a:moveTo>
-                <a:cubicBezTo>
-                  <a:pt x="7152" y="55916"/>
-                  <a:pt x="16530" y="67420"/>
-                  <a:pt x="42912" y="67613"/>
-                </a:cubicBezTo>
-                <a:cubicBezTo>
-                  <a:pt x="69295" y="67807"/>
-                  <a:pt x="136549" y="66006"/>
-                  <a:pt x="158295" y="54737"/>
-                </a:cubicBezTo>
-                <a:cubicBezTo>
-                  <a:pt x="180041" y="43468"/>
-                  <a:pt x="170872" y="9123"/>
-                  <a:pt x="173387" y="0"/>
-                </a:cubicBezTo>
-              </a:path>
-            </a:pathLst>
-          </a:custGeom>
-          <a:noFill/>
-          <a:ln w="9525" cap="flat" cmpd="sng">
-            <a:solidFill>
-              <a:schemeClr val="dk2"/>
-            </a:solidFill>
-            <a:prstDash val="solid"/>
-            <a:round/>
-            <a:headEnd type="none" w="med" len="med"/>
-            <a:tailEnd type="none" w="med" len="med"/>
-          </a:ln>
-        </p:spPr>
-      </p:sp>
-      <p:sp>
-        <p:nvSpPr>
-          <p:cNvPr id="112" name="Google Shape;112;p13"/>
-          <p:cNvSpPr txBox="1"/>
-          <p:nvPr/>
-        </p:nvSpPr>
-        <p:spPr>
-          <a:xfrm>
-            <a:off x="4585988" y="3121175"/>
-            <a:ext cx="602700" cy="307800"/>
-          </a:xfrm>
-          <a:prstGeom prst="rect">
-            <a:avLst/>
-          </a:prstGeom>
-          <a:noFill/>
-          <a:ln>
-            <a:noFill/>
-          </a:ln>
-        </p:spPr>
-        <p:txBody>
-          <a:bodyPr spcFirstLastPara="1" wrap="square" lIns="91425" tIns="91425" rIns="91425" bIns="91425" anchor="t" anchorCtr="0">
-            <a:spAutoFit/>
-          </a:bodyPr>
-          <a:lstStyle/>
-          <a:p>
-            <a:pPr marL="0" lvl="0" indent="0" algn="ctr" rtl="0">
-              <a:spcBef>
-                <a:spcPts val="0"/>
-              </a:spcBef>
-              <a:spcAft>
-                <a:spcPts val="0"/>
-              </a:spcAft>
-              <a:buNone/>
-            </a:pPr>
-            <a:r>
-              <a:rPr lang="en" sz="800"/>
-              <a:t>On/Off</a:t>
-            </a:r>
-            <a:endParaRPr sz="800"/>
-          </a:p>
-        </p:txBody>
-      </p:sp>
-      <p:sp>
-        <p:nvSpPr>
-          <p:cNvPr id="113" name="Google Shape;113;p13"/>
-          <p:cNvSpPr txBox="1"/>
-          <p:nvPr/>
-        </p:nvSpPr>
-        <p:spPr>
-          <a:xfrm>
-            <a:off x="5774575" y="3157025"/>
-            <a:ext cx="602700" cy="307800"/>
-          </a:xfrm>
-          <a:prstGeom prst="rect">
-            <a:avLst/>
-          </a:prstGeom>
-          <a:noFill/>
-          <a:ln>
-            <a:noFill/>
-          </a:ln>
-        </p:spPr>
-        <p:txBody>
-          <a:bodyPr spcFirstLastPara="1" wrap="square" lIns="91425" tIns="91425" rIns="91425" bIns="91425" anchor="t" anchorCtr="0">
-            <a:spAutoFit/>
-          </a:bodyPr>
-          <a:lstStyle/>
-          <a:p>
-            <a:pPr marL="0" lvl="0" indent="0" algn="l" rtl="0">
-              <a:spcBef>
-                <a:spcPts val="0"/>
-              </a:spcBef>
-              <a:spcAft>
-                <a:spcPts val="0"/>
-              </a:spcAft>
-              <a:buNone/>
-            </a:pPr>
-            <a:r>
-              <a:rPr lang="en" sz="800"/>
-              <a:t>Negative</a:t>
-            </a:r>
-            <a:endParaRPr sz="800"/>
-          </a:p>
-        </p:txBody>
-      </p:sp>
-      <p:sp>
-        <p:nvSpPr>
-          <p:cNvPr id="114" name="Google Shape;114;p13"/>
-          <p:cNvSpPr txBox="1"/>
-          <p:nvPr/>
-        </p:nvSpPr>
-        <p:spPr>
-          <a:xfrm>
-            <a:off x="3095175" y="2313175"/>
-            <a:ext cx="508500" cy="307800"/>
-          </a:xfrm>
-          <a:prstGeom prst="rect">
-            <a:avLst/>
-          </a:prstGeom>
-          <a:noFill/>
-          <a:ln>
-            <a:noFill/>
-          </a:ln>
-        </p:spPr>
-        <p:txBody>
-          <a:bodyPr spcFirstLastPara="1" wrap="square" lIns="91425" tIns="91425" rIns="91425" bIns="91425" anchor="t" anchorCtr="0">
-            <a:spAutoFit/>
-          </a:bodyPr>
-          <a:lstStyle/>
-          <a:p>
-            <a:pPr marL="0" lvl="0" indent="0" algn="l" rtl="0">
-              <a:spcBef>
-                <a:spcPts val="0"/>
-              </a:spcBef>
-              <a:spcAft>
-                <a:spcPts val="0"/>
-              </a:spcAft>
-              <a:buNone/>
-            </a:pPr>
-            <a:r>
-              <a:rPr lang="en" sz="800"/>
-              <a:t>Data</a:t>
-            </a:r>
-            <a:endParaRPr sz="800"/>
-          </a:p>
-        </p:txBody>
-      </p:sp>
-      <p:sp>
-        <p:nvSpPr>
-          <p:cNvPr id="115" name="Google Shape;115;p13"/>
-          <p:cNvSpPr txBox="1"/>
-          <p:nvPr/>
-        </p:nvSpPr>
-        <p:spPr>
-          <a:xfrm>
-            <a:off x="1117475" y="2140825"/>
-            <a:ext cx="432600" cy="307800"/>
-          </a:xfrm>
-          <a:prstGeom prst="rect">
-            <a:avLst/>
-          </a:prstGeom>
-          <a:noFill/>
-          <a:ln>
-            <a:noFill/>
-          </a:ln>
-        </p:spPr>
-        <p:txBody>
-          <a:bodyPr spcFirstLastPara="1" wrap="square" lIns="91425" tIns="91425" rIns="91425" bIns="91425" anchor="t" anchorCtr="0">
-            <a:spAutoFit/>
-          </a:bodyPr>
-          <a:lstStyle/>
-          <a:p>
-            <a:pPr marL="0" lvl="0" indent="0" algn="l" rtl="0">
-              <a:spcBef>
-                <a:spcPts val="0"/>
-              </a:spcBef>
-              <a:spcAft>
-                <a:spcPts val="0"/>
-              </a:spcAft>
-              <a:buNone/>
-            </a:pPr>
-            <a:r>
-              <a:rPr lang="en" sz="800"/>
-              <a:t>Data</a:t>
-            </a:r>
-            <a:endParaRPr sz="800"/>
-          </a:p>
-        </p:txBody>
-      </p:sp>
-      <p:sp>
-        <p:nvSpPr>
-          <p:cNvPr id="116" name="Google Shape;116;p13"/>
-          <p:cNvSpPr txBox="1"/>
-          <p:nvPr/>
-        </p:nvSpPr>
-        <p:spPr>
-          <a:xfrm>
-            <a:off x="2400750" y="2608400"/>
-            <a:ext cx="508500" cy="307800"/>
-          </a:xfrm>
-          <a:prstGeom prst="rect">
-            <a:avLst/>
-          </a:prstGeom>
-          <a:noFill/>
-          <a:ln>
-            <a:noFill/>
-          </a:ln>
-        </p:spPr>
-        <p:txBody>
-          <a:bodyPr spcFirstLastPara="1" wrap="square" lIns="91425" tIns="91425" rIns="91425" bIns="91425" anchor="t" anchorCtr="0">
-            <a:spAutoFit/>
-          </a:bodyPr>
-          <a:lstStyle/>
-          <a:p>
-            <a:pPr marL="0" lvl="0" indent="0" algn="l" rtl="0">
-              <a:spcBef>
-                <a:spcPts val="0"/>
-              </a:spcBef>
-              <a:spcAft>
-                <a:spcPts val="0"/>
-              </a:spcAft>
-              <a:buNone/>
-            </a:pPr>
-            <a:r>
-              <a:rPr lang="en" sz="800"/>
-              <a:t>Data</a:t>
-            </a:r>
-            <a:endParaRPr sz="800"/>
-          </a:p>
-        </p:txBody>
-      </p:sp>
-      <p:sp>
-        <p:nvSpPr>
-          <p:cNvPr id="117" name="Google Shape;117;p13"/>
-          <p:cNvSpPr txBox="1"/>
-          <p:nvPr/>
-        </p:nvSpPr>
-        <p:spPr>
-          <a:xfrm>
-            <a:off x="4385950" y="3650350"/>
-            <a:ext cx="602700" cy="307800"/>
-          </a:xfrm>
-          <a:prstGeom prst="rect">
-            <a:avLst/>
-          </a:prstGeom>
-          <a:noFill/>
-          <a:ln>
-            <a:noFill/>
-          </a:ln>
-        </p:spPr>
-        <p:txBody>
-          <a:bodyPr spcFirstLastPara="1" wrap="square" lIns="91425" tIns="91425" rIns="91425" bIns="91425" anchor="t" anchorCtr="0">
-            <a:spAutoFit/>
-          </a:bodyPr>
-          <a:lstStyle/>
-          <a:p>
-            <a:pPr marL="0" lvl="0" indent="0" algn="ctr" rtl="0">
-              <a:spcBef>
-                <a:spcPts val="0"/>
-              </a:spcBef>
-              <a:spcAft>
-                <a:spcPts val="0"/>
-              </a:spcAft>
-              <a:buNone/>
-            </a:pPr>
-            <a:r>
-              <a:rPr lang="en" sz="800"/>
-              <a:t>Ground</a:t>
-            </a:r>
-            <a:endParaRPr sz="800"/>
-          </a:p>
-        </p:txBody>
-      </p:sp>
-      <p:grpSp>
-        <p:nvGrpSpPr>
-          <p:cNvPr id="118" name="Google Shape;118;p13"/>
-          <p:cNvGrpSpPr/>
-          <p:nvPr/>
-        </p:nvGrpSpPr>
-        <p:grpSpPr>
-          <a:xfrm>
-            <a:off x="900415" y="-473712"/>
-            <a:ext cx="3277236" cy="3108392"/>
-            <a:chOff x="900421" y="-473700"/>
-            <a:chExt cx="2792703" cy="2724986"/>
-          </a:xfrm>
-        </p:grpSpPr>
-        <p:grpSp>
-          <p:nvGrpSpPr>
-            <p:cNvPr id="119" name="Google Shape;119;p13"/>
-            <p:cNvGrpSpPr/>
-            <p:nvPr/>
-          </p:nvGrpSpPr>
-          <p:grpSpPr>
-            <a:xfrm rot="687032">
-              <a:off x="1104592" y="-259862"/>
-              <a:ext cx="2384360" cy="2297309"/>
-              <a:chOff x="8662430" y="4785424"/>
-              <a:chExt cx="2868774" cy="2735891"/>
-            </a:xfrm>
-          </p:grpSpPr>
-          <p:grpSp>
-            <p:nvGrpSpPr>
-              <p:cNvPr id="120" name="Google Shape;120;p13"/>
-              <p:cNvGrpSpPr/>
-              <p:nvPr/>
-            </p:nvGrpSpPr>
-            <p:grpSpPr>
-              <a:xfrm rot="3118376">
-                <a:off x="9292189" y="4961685"/>
-                <a:ext cx="1609256" cy="2383369"/>
-                <a:chOff x="4452025" y="2673825"/>
-                <a:chExt cx="1531525" cy="2126663"/>
-              </a:xfrm>
-            </p:grpSpPr>
-            <p:cxnSp>
-              <p:nvCxnSpPr>
-                <p:cNvPr id="121" name="Google Shape;121;p13"/>
-                <p:cNvCxnSpPr/>
-                <p:nvPr/>
-              </p:nvCxnSpPr>
-              <p:spPr>
-                <a:xfrm>
-                  <a:off x="4452025" y="3632588"/>
-                  <a:ext cx="607200" cy="1167900"/>
-                </a:xfrm>
-                <a:prstGeom prst="straightConnector1">
-                  <a:avLst/>
-                </a:prstGeom>
-                <a:noFill/>
-                <a:ln w="19050" cap="flat" cmpd="sng">
-                  <a:solidFill>
-                    <a:schemeClr val="dk2"/>
-                  </a:solidFill>
-                  <a:prstDash val="solid"/>
-                  <a:round/>
-                  <a:headEnd type="none" w="med" len="med"/>
-                  <a:tailEnd type="none" w="med" len="med"/>
-                </a:ln>
-              </p:spPr>
-            </p:cxnSp>
-            <p:cxnSp>
-              <p:nvCxnSpPr>
-                <p:cNvPr id="122" name="Google Shape;122;p13"/>
-                <p:cNvCxnSpPr/>
-                <p:nvPr/>
-              </p:nvCxnSpPr>
-              <p:spPr>
-                <a:xfrm>
-                  <a:off x="4807100" y="3579013"/>
-                  <a:ext cx="583500" cy="1071600"/>
-                </a:xfrm>
-                <a:prstGeom prst="straightConnector1">
-                  <a:avLst/>
-                </a:prstGeom>
-                <a:noFill/>
-                <a:ln w="19050" cap="flat" cmpd="sng">
-                  <a:solidFill>
-                    <a:schemeClr val="dk2"/>
-                  </a:solidFill>
-                  <a:prstDash val="solid"/>
-                  <a:round/>
-                  <a:headEnd type="none" w="med" len="med"/>
-                  <a:tailEnd type="none" w="med" len="med"/>
-                </a:ln>
-              </p:spPr>
-            </p:cxnSp>
-            <p:cxnSp>
-              <p:nvCxnSpPr>
-                <p:cNvPr id="123" name="Google Shape;123;p13"/>
-                <p:cNvCxnSpPr>
-                  <a:stCxn id="124" idx="0"/>
-                </p:cNvCxnSpPr>
-                <p:nvPr/>
-              </p:nvCxnSpPr>
-              <p:spPr>
-                <a:xfrm rot="-3707902">
-                  <a:off x="4830367" y="2817560"/>
-                  <a:ext cx="869067" cy="829429"/>
-                </a:xfrm>
-                <a:prstGeom prst="straightConnector1">
-                  <a:avLst/>
-                </a:prstGeom>
-                <a:noFill/>
-                <a:ln w="19050" cap="flat" cmpd="sng">
-                  <a:solidFill>
-                    <a:schemeClr val="dk2"/>
-                  </a:solidFill>
-                  <a:prstDash val="solid"/>
-                  <a:round/>
-                  <a:headEnd type="none" w="med" len="med"/>
-                  <a:tailEnd type="none" w="med" len="med"/>
-                </a:ln>
-              </p:spPr>
-            </p:cxnSp>
-            <p:cxnSp>
-              <p:nvCxnSpPr>
-                <p:cNvPr id="125" name="Google Shape;125;p13"/>
-                <p:cNvCxnSpPr/>
-                <p:nvPr/>
-              </p:nvCxnSpPr>
-              <p:spPr>
-                <a:xfrm rot="-3009803">
-                  <a:off x="4924425" y="3201982"/>
-                  <a:ext cx="992350" cy="607836"/>
-                </a:xfrm>
-                <a:prstGeom prst="straightConnector1">
-                  <a:avLst/>
-                </a:prstGeom>
-                <a:noFill/>
-                <a:ln w="19050" cap="flat" cmpd="sng">
-                  <a:solidFill>
-                    <a:schemeClr val="dk2"/>
-                  </a:solidFill>
-                  <a:prstDash val="solid"/>
-                  <a:round/>
-                  <a:headEnd type="none" w="med" len="med"/>
-                  <a:tailEnd type="none" w="med" len="med"/>
-                </a:ln>
-              </p:spPr>
-            </p:cxnSp>
-            <p:sp>
-              <p:nvSpPr>
-                <p:cNvPr id="124" name="Google Shape;124;p13"/>
-                <p:cNvSpPr/>
-                <p:nvPr/>
-              </p:nvSpPr>
-              <p:spPr>
-                <a:xfrm>
-                  <a:off x="4453400" y="3439725"/>
-                  <a:ext cx="460800" cy="405000"/>
-                </a:xfrm>
-                <a:prstGeom prst="ellipse">
-                  <a:avLst/>
-                </a:prstGeom>
-                <a:solidFill>
-                  <a:schemeClr val="lt1"/>
-                </a:solidFill>
-                <a:ln w="19050" cap="flat" cmpd="sng">
-                  <a:solidFill>
-                    <a:schemeClr val="dk2"/>
-                  </a:solidFill>
-                  <a:prstDash val="solid"/>
-                  <a:round/>
-                  <a:headEnd type="none" w="sm" len="sm"/>
-                  <a:tailEnd type="none" w="sm" len="sm"/>
-                </a:ln>
-              </p:spPr>
-              <p:txBody>
-                <a:bodyPr spcFirstLastPara="1" wrap="square" lIns="91425" tIns="91425" rIns="91425" bIns="91425" anchor="ctr" anchorCtr="0">
-                  <a:noAutofit/>
-                </a:bodyPr>
-                <a:lstStyle/>
-                <a:p>
-                  <a:pPr marL="0" lvl="0" indent="0" algn="l" rtl="0">
-                    <a:spcBef>
-                      <a:spcPts val="0"/>
-                    </a:spcBef>
-                    <a:spcAft>
-                      <a:spcPts val="0"/>
-                    </a:spcAft>
-                    <a:buNone/>
-                  </a:pPr>
-                  <a:endParaRPr/>
-                </a:p>
-              </p:txBody>
-            </p:sp>
-          </p:grpSp>
-          <p:cxnSp>
-            <p:nvCxnSpPr>
-              <p:cNvPr id="126" name="Google Shape;126;p13"/>
-              <p:cNvCxnSpPr/>
-              <p:nvPr/>
-            </p:nvCxnSpPr>
-            <p:spPr>
-              <a:xfrm>
-                <a:off x="9050300" y="6746550"/>
-                <a:ext cx="364500" cy="174900"/>
-              </a:xfrm>
-              <a:prstGeom prst="straightConnector1">
-                <a:avLst/>
-              </a:prstGeom>
-              <a:noFill/>
-              <a:ln w="19050" cap="flat" cmpd="sng">
-                <a:solidFill>
-                  <a:schemeClr val="dk2"/>
-                </a:solidFill>
-                <a:prstDash val="solid"/>
-                <a:round/>
-                <a:headEnd type="none" w="med" len="med"/>
-                <a:tailEnd type="none" w="med" len="med"/>
-              </a:ln>
-            </p:spPr>
-          </p:cxnSp>
-        </p:grpSp>
-        <p:cxnSp>
-          <p:nvCxnSpPr>
-            <p:cNvPr id="127" name="Google Shape;127;p13"/>
-            <p:cNvCxnSpPr/>
-            <p:nvPr/>
-          </p:nvCxnSpPr>
-          <p:spPr>
-            <a:xfrm rot="684393" flipH="1">
-              <a:off x="2972537" y="1058226"/>
-              <a:ext cx="139556" cy="270582"/>
-            </a:xfrm>
-            <a:prstGeom prst="straightConnector1">
-              <a:avLst/>
-            </a:prstGeom>
-            <a:noFill/>
-            <a:ln w="19050" cap="flat" cmpd="sng">
-              <a:solidFill>
-                <a:schemeClr val="dk2"/>
-              </a:solidFill>
-              <a:prstDash val="solid"/>
-              <a:round/>
-              <a:headEnd type="none" w="med" len="med"/>
-              <a:tailEnd type="none" w="med" len="med"/>
-            </a:ln>
-          </p:spPr>
-        </p:cxnSp>
-      </p:grpSp>
-      <p:sp>
-        <p:nvSpPr>
-          <p:cNvPr id="128" name="Google Shape;128;p13"/>
-          <p:cNvSpPr/>
-          <p:nvPr/>
-        </p:nvSpPr>
-        <p:spPr>
-          <a:xfrm rot="2504970">
-            <a:off x="2606109" y="588476"/>
-            <a:ext cx="1144809" cy="187812"/>
-          </a:xfrm>
-          <a:prstGeom prst="roundRect">
-            <a:avLst>
-              <a:gd name="adj" fmla="val 16667"/>
-            </a:avLst>
-          </a:prstGeom>
-          <a:solidFill>
-            <a:schemeClr val="lt1"/>
-          </a:solidFill>
-          <a:ln w="19050" cap="flat" cmpd="sng">
-            <a:solidFill>
-              <a:schemeClr val="dk1"/>
-            </a:solidFill>
-            <a:prstDash val="solid"/>
-            <a:round/>
-            <a:headEnd type="none" w="sm" len="sm"/>
-            <a:tailEnd type="none" w="sm" len="sm"/>
-          </a:ln>
-        </p:spPr>
-        <p:txBody>
-          <a:bodyPr spcFirstLastPara="1" wrap="square" lIns="91425" tIns="91425" rIns="91425" bIns="91425" anchor="ctr" anchorCtr="0">
-            <a:noAutofit/>
-          </a:bodyPr>
-          <a:lstStyle/>
-          <a:p>
-            <a:pPr marL="0" lvl="0" indent="0" algn="l" rtl="0">
-              <a:spcBef>
-                <a:spcPts val="0"/>
-              </a:spcBef>
-              <a:spcAft>
-                <a:spcPts val="0"/>
-              </a:spcAft>
-              <a:buNone/>
-            </a:pPr>
-            <a:endParaRPr/>
-          </a:p>
-        </p:txBody>
-      </p:sp>
-      <p:cxnSp>
-        <p:nvCxnSpPr>
-          <p:cNvPr id="129" name="Google Shape;129;p13"/>
-          <p:cNvCxnSpPr/>
-          <p:nvPr/>
-        </p:nvCxnSpPr>
-        <p:spPr>
-          <a:xfrm rot="10800000" flipH="1">
-            <a:off x="3347075" y="1035525"/>
-            <a:ext cx="89700" cy="100800"/>
-          </a:xfrm>
-          <a:prstGeom prst="straightConnector1">
-            <a:avLst/>
-          </a:prstGeom>
-          <a:noFill/>
-          <a:ln w="76200" cap="flat" cmpd="sng">
-            <a:solidFill>
-              <a:schemeClr val="dk1"/>
-            </a:solidFill>
-            <a:prstDash val="solid"/>
-            <a:round/>
-            <a:headEnd type="none" w="med" len="med"/>
-            <a:tailEnd type="none" w="med" len="med"/>
-          </a:ln>
-        </p:spPr>
-      </p:cxnSp>
-      <p:sp>
-        <p:nvSpPr>
-          <p:cNvPr id="130" name="Google Shape;130;p13"/>
-          <p:cNvSpPr/>
-          <p:nvPr/>
-        </p:nvSpPr>
-        <p:spPr>
-          <a:xfrm rot="2492603">
-            <a:off x="1476678" y="842954"/>
-            <a:ext cx="31665" cy="48485"/>
-          </a:xfrm>
-          <a:prstGeom prst="rect">
-            <a:avLst/>
-          </a:prstGeom>
-          <a:solidFill>
-            <a:schemeClr val="lt1"/>
-          </a:solidFill>
-          <a:ln>
-            <a:noFill/>
-          </a:ln>
-        </p:spPr>
-        <p:txBody>
-          <a:bodyPr spcFirstLastPara="1" wrap="square" lIns="91425" tIns="91425" rIns="91425" bIns="91425" anchor="ctr" anchorCtr="0">
-            <a:noAutofit/>
-          </a:bodyPr>
-          <a:lstStyle/>
-          <a:p>
-            <a:pPr marL="0" lvl="0" indent="0" algn="l" rtl="0">
-              <a:spcBef>
-                <a:spcPts val="0"/>
-              </a:spcBef>
-              <a:spcAft>
-                <a:spcPts val="0"/>
-              </a:spcAft>
-              <a:buNone/>
-            </a:pPr>
-            <a:endParaRPr/>
-          </a:p>
-        </p:txBody>
-      </p:sp>
-      <p:cxnSp>
-        <p:nvCxnSpPr>
-          <p:cNvPr id="131" name="Google Shape;131;p13"/>
-          <p:cNvCxnSpPr/>
-          <p:nvPr/>
-        </p:nvCxnSpPr>
-        <p:spPr>
-          <a:xfrm rot="10800000">
-            <a:off x="1909584" y="1413026"/>
-            <a:ext cx="344100" cy="49200"/>
-          </a:xfrm>
-          <a:prstGeom prst="straightConnector1">
-            <a:avLst/>
-          </a:prstGeom>
-          <a:noFill/>
-          <a:ln w="76200" cap="flat" cmpd="sng">
-            <a:solidFill>
-              <a:schemeClr val="dk1"/>
-            </a:solidFill>
-            <a:prstDash val="solid"/>
-            <a:round/>
-            <a:headEnd type="none" w="med" len="med"/>
-            <a:tailEnd type="none" w="med" len="med"/>
-          </a:ln>
-        </p:spPr>
-      </p:cxnSp>
-      <p:cxnSp>
-        <p:nvCxnSpPr>
-          <p:cNvPr id="132" name="Google Shape;132;p13"/>
-          <p:cNvCxnSpPr/>
-          <p:nvPr/>
-        </p:nvCxnSpPr>
-        <p:spPr>
-          <a:xfrm rot="10800000" flipH="1">
-            <a:off x="2711968" y="1315421"/>
-            <a:ext cx="519900" cy="179400"/>
-          </a:xfrm>
-          <a:prstGeom prst="straightConnector1">
-            <a:avLst/>
-          </a:prstGeom>
-          <a:noFill/>
-          <a:ln w="76200" cap="flat" cmpd="sng">
-            <a:solidFill>
-              <a:schemeClr val="dk1"/>
-            </a:solidFill>
-            <a:prstDash val="solid"/>
-            <a:round/>
-            <a:headEnd type="none" w="med" len="med"/>
-            <a:tailEnd type="none" w="med" len="med"/>
-          </a:ln>
-        </p:spPr>
-      </p:cxnSp>
-      <p:sp>
-        <p:nvSpPr>
-          <p:cNvPr id="133" name="Google Shape;133;p13"/>
-          <p:cNvSpPr/>
-          <p:nvPr/>
-        </p:nvSpPr>
-        <p:spPr>
-          <a:xfrm rot="2443811">
-            <a:off x="3083327" y="1234299"/>
-            <a:ext cx="188047" cy="161401"/>
-          </a:xfrm>
-          <a:prstGeom prst="rect">
-            <a:avLst/>
-          </a:prstGeom>
-          <a:solidFill>
-            <a:schemeClr val="lt1"/>
-          </a:solidFill>
-          <a:ln>
-            <a:noFill/>
-          </a:ln>
-        </p:spPr>
-        <p:txBody>
-          <a:bodyPr spcFirstLastPara="1" wrap="square" lIns="91425" tIns="91425" rIns="91425" bIns="91425" anchor="ctr" anchorCtr="0">
-            <a:noAutofit/>
-          </a:bodyPr>
-          <a:lstStyle/>
-          <a:p>
-            <a:pPr marL="0" lvl="0" indent="0" algn="l" rtl="0">
-              <a:spcBef>
-                <a:spcPts val="0"/>
-              </a:spcBef>
-              <a:spcAft>
-                <a:spcPts val="0"/>
-              </a:spcAft>
-              <a:buNone/>
-            </a:pPr>
-            <a:endParaRPr/>
-          </a:p>
-        </p:txBody>
-      </p:sp>
-      <p:sp>
-        <p:nvSpPr>
-          <p:cNvPr id="134" name="Google Shape;134;p13"/>
-          <p:cNvSpPr/>
-          <p:nvPr/>
-        </p:nvSpPr>
-        <p:spPr>
-          <a:xfrm rot="2024735">
-            <a:off x="1836014" y="1349102"/>
-            <a:ext cx="85868" cy="63681"/>
-          </a:xfrm>
-          <a:prstGeom prst="rect">
-            <a:avLst/>
-          </a:prstGeom>
-          <a:solidFill>
-            <a:schemeClr val="lt1"/>
-          </a:solidFill>
-          <a:ln>
-            <a:noFill/>
-          </a:ln>
-        </p:spPr>
-        <p:txBody>
-          <a:bodyPr spcFirstLastPara="1" wrap="square" lIns="91425" tIns="91425" rIns="91425" bIns="91425" anchor="ctr" anchorCtr="0">
-            <a:noAutofit/>
-          </a:bodyPr>
-          <a:lstStyle/>
-          <a:p>
-            <a:pPr marL="0" lvl="0" indent="0" algn="l" rtl="0">
-              <a:spcBef>
-                <a:spcPts val="0"/>
-              </a:spcBef>
-              <a:spcAft>
-                <a:spcPts val="0"/>
-              </a:spcAft>
-              <a:buNone/>
-            </a:pPr>
-            <a:endParaRPr/>
-          </a:p>
-        </p:txBody>
-      </p:sp>
-      <p:sp>
-        <p:nvSpPr>
-          <p:cNvPr id="135" name="Google Shape;135;p13"/>
-          <p:cNvSpPr/>
-          <p:nvPr/>
-        </p:nvSpPr>
-        <p:spPr>
-          <a:xfrm>
-            <a:off x="1500825" y="1676400"/>
-            <a:ext cx="920600" cy="819150"/>
-          </a:xfrm>
-          <a:custGeom>
-            <a:avLst/>
-            <a:gdLst/>
-            <a:ahLst/>
-            <a:cxnLst/>
-            <a:rect l="l" t="t" r="r" b="b"/>
-            <a:pathLst>
-              <a:path w="36824" h="32766" extrusionOk="0">
-                <a:moveTo>
-                  <a:pt x="36741" y="0"/>
-                </a:moveTo>
-                <a:cubicBezTo>
-                  <a:pt x="36093" y="1461"/>
-                  <a:pt x="38837" y="4890"/>
-                  <a:pt x="32855" y="8763"/>
-                </a:cubicBezTo>
-                <a:cubicBezTo>
-                  <a:pt x="26873" y="12637"/>
-                  <a:pt x="4788" y="19241"/>
-                  <a:pt x="851" y="23241"/>
-                </a:cubicBezTo>
-                <a:cubicBezTo>
-                  <a:pt x="-3086" y="27242"/>
-                  <a:pt x="7836" y="31179"/>
-                  <a:pt x="9233" y="32766"/>
-                </a:cubicBezTo>
-              </a:path>
-            </a:pathLst>
-          </a:custGeom>
-          <a:noFill/>
-          <a:ln w="9525" cap="flat" cmpd="sng">
-            <a:solidFill>
-              <a:schemeClr val="dk2"/>
-            </a:solidFill>
-            <a:prstDash val="solid"/>
-            <a:round/>
-            <a:headEnd type="none" w="med" len="med"/>
-            <a:tailEnd type="none" w="med" len="med"/>
-          </a:ln>
-        </p:spPr>
-      </p:sp>
-      <p:sp>
-        <p:nvSpPr>
-          <p:cNvPr id="136" name="Google Shape;136;p13"/>
-          <p:cNvSpPr/>
-          <p:nvPr/>
-        </p:nvSpPr>
-        <p:spPr>
-          <a:xfrm>
-            <a:off x="3056525" y="2074550"/>
-            <a:ext cx="619175" cy="1042975"/>
-          </a:xfrm>
-          <a:custGeom>
-            <a:avLst/>
-            <a:gdLst/>
-            <a:ahLst/>
-            <a:cxnLst/>
-            <a:rect l="l" t="t" r="r" b="b"/>
-            <a:pathLst>
-              <a:path w="24767" h="41719" extrusionOk="0">
-                <a:moveTo>
-                  <a:pt x="24767" y="0"/>
-                </a:moveTo>
-                <a:cubicBezTo>
-                  <a:pt x="20830" y="2032"/>
-                  <a:pt x="4638" y="5239"/>
-                  <a:pt x="1145" y="12192"/>
-                </a:cubicBezTo>
-                <a:cubicBezTo>
-                  <a:pt x="-2347" y="19145"/>
-                  <a:pt x="3368" y="36798"/>
-                  <a:pt x="3812" y="41719"/>
-                </a:cubicBezTo>
-              </a:path>
-            </a:pathLst>
-          </a:custGeom>
-          <a:noFill/>
-          <a:ln w="9525" cap="flat" cmpd="sng">
-            <a:solidFill>
-              <a:schemeClr val="dk2"/>
-            </a:solidFill>
-            <a:prstDash val="solid"/>
-            <a:round/>
-            <a:headEnd type="none" w="med" len="med"/>
-            <a:tailEnd type="none" w="med" len="med"/>
-          </a:ln>
-        </p:spPr>
-      </p:sp>
-      <p:sp>
-        <p:nvSpPr>
-          <p:cNvPr id="137" name="Google Shape;137;p13"/>
-          <p:cNvSpPr/>
-          <p:nvPr/>
-        </p:nvSpPr>
-        <p:spPr>
-          <a:xfrm>
-            <a:off x="2651750" y="1412075"/>
-            <a:ext cx="54900" cy="93000"/>
-          </a:xfrm>
-          <a:prstGeom prst="rect">
-            <a:avLst/>
-          </a:prstGeom>
-          <a:solidFill>
-            <a:schemeClr val="lt1"/>
-          </a:solidFill>
-          <a:ln>
-            <a:noFill/>
-          </a:ln>
-        </p:spPr>
-        <p:txBody>
-          <a:bodyPr spcFirstLastPara="1" wrap="square" lIns="91425" tIns="91425" rIns="91425" bIns="91425" anchor="ctr" anchorCtr="0">
-            <a:noAutofit/>
-          </a:bodyPr>
-          <a:lstStyle/>
-          <a:p>
-            <a:pPr marL="0" lvl="0" indent="0" algn="l" rtl="0">
-              <a:spcBef>
-                <a:spcPts val="0"/>
-              </a:spcBef>
-              <a:spcAft>
-                <a:spcPts val="0"/>
-              </a:spcAft>
-              <a:buNone/>
-            </a:pPr>
-            <a:endParaRPr/>
-          </a:p>
-        </p:txBody>
-      </p:sp>
-      <p:sp>
-        <p:nvSpPr>
-          <p:cNvPr id="138" name="Google Shape;138;p13"/>
-          <p:cNvSpPr/>
-          <p:nvPr/>
-        </p:nvSpPr>
-        <p:spPr>
-          <a:xfrm>
-            <a:off x="5936450" y="1698775"/>
-            <a:ext cx="219000" cy="57300"/>
-          </a:xfrm>
-          <a:prstGeom prst="rect">
-            <a:avLst/>
-          </a:prstGeom>
-          <a:solidFill>
-            <a:schemeClr val="lt1"/>
-          </a:solidFill>
-          <a:ln>
-            <a:noFill/>
-          </a:ln>
-        </p:spPr>
-        <p:txBody>
-          <a:bodyPr spcFirstLastPara="1" wrap="square" lIns="91425" tIns="91425" rIns="91425" bIns="91425" anchor="ctr" anchorCtr="0">
-            <a:noAutofit/>
-          </a:bodyPr>
-          <a:lstStyle/>
-          <a:p>
-            <a:pPr marL="0" lvl="0" indent="0" algn="l" rtl="0">
-              <a:spcBef>
-                <a:spcPts val="0"/>
-              </a:spcBef>
-              <a:spcAft>
-                <a:spcPts val="0"/>
-              </a:spcAft>
-              <a:buNone/>
-            </a:pPr>
-            <a:endParaRPr/>
-          </a:p>
-        </p:txBody>
-      </p:sp>
-      <p:sp>
-        <p:nvSpPr>
-          <p:cNvPr id="139" name="Google Shape;139;p13"/>
-          <p:cNvSpPr txBox="1"/>
-          <p:nvPr/>
-        </p:nvSpPr>
-        <p:spPr>
-          <a:xfrm>
-            <a:off x="1930650" y="3382963"/>
-            <a:ext cx="314400" cy="400200"/>
-          </a:xfrm>
-          <a:prstGeom prst="rect">
-            <a:avLst/>
-          </a:prstGeom>
-          <a:noFill/>
-          <a:ln>
-            <a:noFill/>
-          </a:ln>
-        </p:spPr>
-        <p:txBody>
-          <a:bodyPr spcFirstLastPara="1" wrap="square" lIns="91425" tIns="91425" rIns="91425" bIns="91425" anchor="t" anchorCtr="0">
-            <a:spAutoFit/>
-          </a:bodyPr>
-          <a:lstStyle/>
-          <a:p>
-            <a:pPr marL="0" lvl="0" indent="0" algn="ctr" rtl="0">
-              <a:spcBef>
-                <a:spcPts val="0"/>
-              </a:spcBef>
-              <a:spcAft>
-                <a:spcPts val="0"/>
-              </a:spcAft>
-              <a:buNone/>
-            </a:pPr>
-            <a:r>
-              <a:rPr lang="en"/>
-              <a:t>-</a:t>
-            </a:r>
-            <a:endParaRPr/>
-          </a:p>
-        </p:txBody>
-      </p:sp>
-      <p:sp>
-        <p:nvSpPr>
-          <p:cNvPr id="140" name="Google Shape;140;p13"/>
-          <p:cNvSpPr txBox="1"/>
-          <p:nvPr/>
-        </p:nvSpPr>
-        <p:spPr>
-          <a:xfrm>
-            <a:off x="1883100" y="3757625"/>
-            <a:ext cx="409500" cy="400200"/>
-          </a:xfrm>
-          <a:prstGeom prst="rect">
-            <a:avLst/>
-          </a:prstGeom>
-          <a:noFill/>
-          <a:ln>
-            <a:noFill/>
-          </a:ln>
-        </p:spPr>
-        <p:txBody>
-          <a:bodyPr spcFirstLastPara="1" wrap="square" lIns="91425" tIns="91425" rIns="91425" bIns="91425" anchor="t" anchorCtr="0">
-            <a:spAutoFit/>
-          </a:bodyPr>
-          <a:lstStyle/>
-          <a:p>
-            <a:pPr marL="0" lvl="0" indent="0" algn="ctr" rtl="0">
-              <a:spcBef>
-                <a:spcPts val="0"/>
-              </a:spcBef>
-              <a:spcAft>
-                <a:spcPts val="0"/>
-              </a:spcAft>
-              <a:buNone/>
-            </a:pPr>
-            <a:r>
-              <a:rPr lang="en"/>
-              <a:t>+</a:t>
-            </a:r>
-            <a:endParaRPr/>
-          </a:p>
-        </p:txBody>
-      </p:sp>
-      <p:cxnSp>
-        <p:nvCxnSpPr>
-          <p:cNvPr id="141" name="Google Shape;141;p13"/>
-          <p:cNvCxnSpPr/>
-          <p:nvPr/>
-        </p:nvCxnSpPr>
-        <p:spPr>
-          <a:xfrm>
-            <a:off x="5410200" y="0"/>
-            <a:ext cx="0" cy="609600"/>
-          </a:xfrm>
-          <a:prstGeom prst="straightConnector1">
-            <a:avLst/>
-          </a:prstGeom>
-          <a:noFill/>
-          <a:ln w="19050" cap="flat" cmpd="sng">
-            <a:solidFill>
-              <a:schemeClr val="dk2"/>
-            </a:solidFill>
-            <a:prstDash val="solid"/>
-            <a:round/>
-            <a:headEnd type="none" w="med" len="med"/>
-            <a:tailEnd type="none" w="med" len="med"/>
-          </a:ln>
-        </p:spPr>
-      </p:cxnSp>
-      <p:cxnSp>
-        <p:nvCxnSpPr>
-          <p:cNvPr id="142" name="Google Shape;142;p13"/>
-          <p:cNvCxnSpPr/>
-          <p:nvPr/>
-        </p:nvCxnSpPr>
-        <p:spPr>
-          <a:xfrm rot="10800000">
-            <a:off x="5410200" y="609600"/>
-            <a:ext cx="1371600" cy="0"/>
-          </a:xfrm>
-          <a:prstGeom prst="straightConnector1">
-            <a:avLst/>
-          </a:prstGeom>
-          <a:noFill/>
-          <a:ln w="19050" cap="flat" cmpd="sng">
-            <a:solidFill>
-              <a:schemeClr val="dk2"/>
-            </a:solidFill>
-            <a:prstDash val="solid"/>
-            <a:round/>
-            <a:headEnd type="none" w="med" len="med"/>
-            <a:tailEnd type="none" w="med" len="med"/>
-          </a:ln>
-        </p:spPr>
-      </p:cxnSp>
-      <p:cxnSp>
-        <p:nvCxnSpPr>
-          <p:cNvPr id="143" name="Google Shape;143;p13"/>
-          <p:cNvCxnSpPr/>
-          <p:nvPr/>
-        </p:nvCxnSpPr>
-        <p:spPr>
-          <a:xfrm>
-            <a:off x="6781800" y="0"/>
-            <a:ext cx="0" cy="609600"/>
-          </a:xfrm>
-          <a:prstGeom prst="straightConnector1">
-            <a:avLst/>
-          </a:prstGeom>
-          <a:noFill/>
-          <a:ln w="19050" cap="flat" cmpd="sng">
-            <a:solidFill>
-              <a:schemeClr val="dk2"/>
-            </a:solidFill>
-            <a:prstDash val="solid"/>
-            <a:round/>
-            <a:headEnd type="none" w="med" len="med"/>
-            <a:tailEnd type="none" w="med" len="med"/>
-          </a:ln>
-        </p:spPr>
-      </p:cxnSp>
-      <p:sp>
-        <p:nvSpPr>
-          <p:cNvPr id="144" name="Google Shape;144;p13"/>
-          <p:cNvSpPr txBox="1"/>
-          <p:nvPr/>
-        </p:nvSpPr>
-        <p:spPr>
-          <a:xfrm>
-            <a:off x="6326375" y="787950"/>
-            <a:ext cx="351600" cy="307800"/>
-          </a:xfrm>
-          <a:prstGeom prst="rect">
-            <a:avLst/>
-          </a:prstGeom>
-          <a:noFill/>
-          <a:ln>
-            <a:noFill/>
-          </a:ln>
-        </p:spPr>
-        <p:txBody>
-          <a:bodyPr spcFirstLastPara="1" wrap="square" lIns="91425" tIns="91425" rIns="91425" bIns="91425" anchor="t" anchorCtr="0">
-            <a:spAutoFit/>
-          </a:bodyPr>
-          <a:lstStyle/>
-          <a:p>
-            <a:pPr marL="0" lvl="0" indent="0" algn="ctr" rtl="0">
-              <a:spcBef>
-                <a:spcPts val="0"/>
-              </a:spcBef>
-              <a:spcAft>
-                <a:spcPts val="0"/>
-              </a:spcAft>
-              <a:buNone/>
-            </a:pPr>
-            <a:r>
-              <a:rPr lang="en" sz="800"/>
-              <a:t>Air</a:t>
-            </a:r>
-            <a:endParaRPr sz="800"/>
-          </a:p>
-        </p:txBody>
-      </p:sp>
-      <p:sp>
-        <p:nvSpPr>
-          <p:cNvPr id="145" name="Google Shape;145;p13"/>
-          <p:cNvSpPr txBox="1"/>
-          <p:nvPr/>
-        </p:nvSpPr>
-        <p:spPr>
-          <a:xfrm>
-            <a:off x="2562038" y="1414475"/>
-            <a:ext cx="914700" cy="400200"/>
-          </a:xfrm>
-          <a:prstGeom prst="rect">
-            <a:avLst/>
-          </a:prstGeom>
-          <a:noFill/>
-          <a:ln>
-            <a:noFill/>
-          </a:ln>
-        </p:spPr>
-        <p:txBody>
-          <a:bodyPr spcFirstLastPara="1" wrap="square" lIns="91425" tIns="91425" rIns="91425" bIns="91425" anchor="t" anchorCtr="0">
-            <a:spAutoFit/>
-          </a:bodyPr>
-          <a:lstStyle/>
-          <a:p>
-            <a:pPr marL="0" lvl="0" indent="0" algn="ctr" rtl="0">
-              <a:spcBef>
-                <a:spcPts val="0"/>
-              </a:spcBef>
-              <a:spcAft>
-                <a:spcPts val="0"/>
-              </a:spcAft>
-              <a:buNone/>
-            </a:pPr>
-            <a:r>
-              <a:rPr lang="en" sz="700"/>
-              <a:t>Physical Connection</a:t>
-            </a:r>
-            <a:endParaRPr sz="700"/>
-          </a:p>
-        </p:txBody>
-      </p:sp>
-      <p:sp>
-        <p:nvSpPr>
-          <p:cNvPr id="146" name="Google Shape;146;p13"/>
-          <p:cNvSpPr txBox="1"/>
-          <p:nvPr/>
-        </p:nvSpPr>
-        <p:spPr>
-          <a:xfrm>
-            <a:off x="2105300" y="1682763"/>
-            <a:ext cx="1459500" cy="400200"/>
-          </a:xfrm>
-          <a:prstGeom prst="rect">
-            <a:avLst/>
-          </a:prstGeom>
-          <a:noFill/>
-          <a:ln>
-            <a:noFill/>
-          </a:ln>
-        </p:spPr>
-        <p:txBody>
-          <a:bodyPr spcFirstLastPara="1" wrap="square" lIns="91425" tIns="91425" rIns="91425" bIns="91425" anchor="t" anchorCtr="0">
-            <a:spAutoFit/>
-          </a:bodyPr>
-          <a:lstStyle/>
-          <a:p>
-            <a:pPr marL="0" lvl="0" indent="0" algn="ctr" rtl="0">
-              <a:spcBef>
-                <a:spcPts val="0"/>
-              </a:spcBef>
-              <a:spcAft>
-                <a:spcPts val="0"/>
-              </a:spcAft>
-              <a:buNone/>
-            </a:pPr>
-            <a:r>
-              <a:rPr lang="en"/>
-              <a:t>Load Cell</a:t>
-            </a:r>
-            <a:endParaRPr/>
-          </a:p>
-        </p:txBody>
-      </p:sp>
-    </p:spTree>
-  </p:cSld>
-  <p:clrMapOvr>
-    <a:masterClrMapping/>
-  </p:clrMapOvr>
-</p:sld>
-</file>
-
-<file path=ppt/slides/slide2.xml><?xml version="1.0" encoding="utf-8"?>
-<p:sld xmlns:a="http://schemas.openxmlformats.org/drawingml/2006/main" xmlns:r="http://schemas.openxmlformats.org/officeDocument/2006/relationships" xmlns:p="http://schemas.openxmlformats.org/presentationml/2006/main">
-  <p:cSld>
-    <p:spTree>
-      <p:nvGrpSpPr>
-        <p:cNvPr id="1" name="Shape 150"/>
-        <p:cNvGrpSpPr/>
-        <p:nvPr/>
-      </p:nvGrpSpPr>
-      <p:grpSpPr>
-        <a:xfrm>
-          <a:off x="0" y="0"/>
-          <a:ext cx="0" cy="0"/>
-          <a:chOff x="0" y="0"/>
-          <a:chExt cx="0" cy="0"/>
-        </a:xfrm>
-      </p:grpSpPr>
-      <p:sp>
-        <p:nvSpPr>
-          <p:cNvPr id="151" name="Google Shape;151;p14"/>
-          <p:cNvSpPr/>
-          <p:nvPr/>
-        </p:nvSpPr>
-        <p:spPr>
-          <a:xfrm>
-            <a:off x="6361275" y="603400"/>
-            <a:ext cx="765350" cy="1088200"/>
-          </a:xfrm>
-          <a:custGeom>
-            <a:avLst/>
-            <a:gdLst/>
-            <a:ahLst/>
-            <a:cxnLst/>
-            <a:rect l="l" t="t" r="r" b="b"/>
-            <a:pathLst>
-              <a:path w="30614" h="43528" extrusionOk="0">
-                <a:moveTo>
-                  <a:pt x="0" y="0"/>
-                </a:moveTo>
-                <a:cubicBezTo>
-                  <a:pt x="4490" y="4639"/>
-                  <a:pt x="21839" y="20578"/>
-                  <a:pt x="26941" y="27833"/>
-                </a:cubicBezTo>
-                <a:cubicBezTo>
-                  <a:pt x="32043" y="35088"/>
-                  <a:pt x="30002" y="40912"/>
-                  <a:pt x="30614" y="43528"/>
-                </a:cubicBezTo>
-              </a:path>
-            </a:pathLst>
-          </a:custGeom>
-          <a:noFill/>
-          <a:ln w="38100" cap="flat" cmpd="sng">
-            <a:solidFill>
-              <a:schemeClr val="dk2"/>
-            </a:solidFill>
-            <a:prstDash val="solid"/>
-            <a:round/>
-            <a:headEnd type="none" w="med" len="med"/>
-            <a:tailEnd type="none" w="med" len="med"/>
-          </a:ln>
-        </p:spPr>
-      </p:sp>
-      <p:sp>
-        <p:nvSpPr>
-          <p:cNvPr id="152" name="Google Shape;152;p14"/>
-          <p:cNvSpPr/>
-          <p:nvPr/>
-        </p:nvSpPr>
-        <p:spPr>
-          <a:xfrm>
-            <a:off x="6132675" y="391475"/>
-            <a:ext cx="357300" cy="209100"/>
-          </a:xfrm>
-          <a:prstGeom prst="rect">
-            <a:avLst/>
-          </a:prstGeom>
-          <a:solidFill>
-            <a:schemeClr val="lt1"/>
-          </a:solidFill>
-          <a:ln>
-            <a:noFill/>
-          </a:ln>
-        </p:spPr>
-        <p:txBody>
-          <a:bodyPr spcFirstLastPara="1" wrap="square" lIns="91425" tIns="91425" rIns="91425" bIns="91425" anchor="ctr" anchorCtr="0">
-            <a:noAutofit/>
-          </a:bodyPr>
-          <a:lstStyle/>
-          <a:p>
-            <a:pPr marL="0" lvl="0" indent="0" algn="l" rtl="0">
-              <a:spcBef>
-                <a:spcPts val="0"/>
-              </a:spcBef>
-              <a:spcAft>
-                <a:spcPts val="0"/>
-              </a:spcAft>
-              <a:buNone/>
-            </a:pPr>
-            <a:endParaRPr/>
-          </a:p>
-        </p:txBody>
-      </p:sp>
-      <p:sp>
-        <p:nvSpPr>
-          <p:cNvPr id="153" name="Google Shape;153;p14"/>
-          <p:cNvSpPr/>
-          <p:nvPr/>
-        </p:nvSpPr>
-        <p:spPr>
-          <a:xfrm>
-            <a:off x="2195775" y="3374750"/>
-            <a:ext cx="3433500" cy="610175"/>
-          </a:xfrm>
-          <a:custGeom>
-            <a:avLst/>
-            <a:gdLst/>
-            <a:ahLst/>
-            <a:cxnLst/>
-            <a:rect l="l" t="t" r="r" b="b"/>
-            <a:pathLst>
-              <a:path w="137340" h="24407" extrusionOk="0">
-                <a:moveTo>
-                  <a:pt x="137340" y="0"/>
-                </a:moveTo>
-                <a:cubicBezTo>
-                  <a:pt x="136174" y="2835"/>
-                  <a:pt x="140064" y="13105"/>
-                  <a:pt x="130342" y="17009"/>
-                </a:cubicBezTo>
-                <a:cubicBezTo>
-                  <a:pt x="120620" y="20913"/>
-                  <a:pt x="95985" y="22423"/>
-                  <a:pt x="79007" y="23426"/>
-                </a:cubicBezTo>
-                <a:cubicBezTo>
-                  <a:pt x="62029" y="24429"/>
-                  <a:pt x="41642" y="25164"/>
-                  <a:pt x="28474" y="23025"/>
-                </a:cubicBezTo>
-                <a:cubicBezTo>
-                  <a:pt x="15306" y="20886"/>
-                  <a:pt x="4746" y="12664"/>
-                  <a:pt x="0" y="10592"/>
-                </a:cubicBezTo>
-              </a:path>
-            </a:pathLst>
-          </a:custGeom>
-          <a:noFill/>
-          <a:ln w="9525" cap="flat" cmpd="sng">
-            <a:solidFill>
-              <a:schemeClr val="dk2"/>
-            </a:solidFill>
-            <a:prstDash val="solid"/>
-            <a:round/>
-            <a:headEnd type="none" w="med" len="med"/>
-            <a:tailEnd type="none" w="med" len="med"/>
-          </a:ln>
-        </p:spPr>
       </p:sp>
       <p:sp>
         <p:nvSpPr>
@@ -9361,7 +5760,7 @@
         </p:nvSpPr>
         <p:spPr>
           <a:xfrm>
-            <a:off x="3988878" y="43175"/>
+            <a:off x="6901500" y="122238"/>
             <a:ext cx="1555500" cy="400200"/>
           </a:xfrm>
           <a:prstGeom prst="rect">
@@ -9388,10 +5787,10 @@
               <a:buNone/>
             </a:pPr>
             <a:r>
-              <a:rPr lang="en"/>
+              <a:rPr lang="en" dirty="0"/>
               <a:t>Pressurized Air</a:t>
             </a:r>
-            <a:endParaRPr/>
+            <a:endParaRPr dirty="0"/>
           </a:p>
         </p:txBody>
       </p:sp>
@@ -9543,7 +5942,7 @@
         </p:nvSpPr>
         <p:spPr>
           <a:xfrm>
-            <a:off x="633175" y="4197125"/>
+            <a:off x="6878825" y="4487820"/>
             <a:ext cx="1982100" cy="400200"/>
           </a:xfrm>
           <a:prstGeom prst="rect">
@@ -9675,10 +6074,35 @@
           <a:prstGeom prst="rect">
             <a:avLst/>
           </a:prstGeom>
-          <a:noFill/>
+          <a:gradFill flip="none" rotWithShape="1">
+            <a:gsLst>
+              <a:gs pos="0">
+                <a:schemeClr val="accent2">
+                  <a:lumMod val="67000"/>
+                </a:schemeClr>
+              </a:gs>
+              <a:gs pos="48000">
+                <a:schemeClr val="accent2">
+                  <a:lumMod val="97000"/>
+                  <a:lumOff val="3000"/>
+                </a:schemeClr>
+              </a:gs>
+              <a:gs pos="100000">
+                <a:schemeClr val="accent2">
+                  <a:lumMod val="60000"/>
+                  <a:lumOff val="40000"/>
+                </a:schemeClr>
+              </a:gs>
+            </a:gsLst>
+            <a:lin ang="16200000" scaled="1"/>
+            <a:tileRect/>
+          </a:gradFill>
           <a:ln w="19050" cap="flat" cmpd="sng">
             <a:solidFill>
-              <a:schemeClr val="dk1"/>
+              <a:schemeClr val="tx1">
+                <a:lumMod val="65000"/>
+                <a:lumOff val="35000"/>
+              </a:schemeClr>
             </a:solidFill>
             <a:prstDash val="solid"/>
             <a:round/>
@@ -10083,10 +6507,34 @@
           <a:prstGeom prst="rect">
             <a:avLst/>
           </a:prstGeom>
-          <a:noFill/>
+          <a:gradFill flip="none" rotWithShape="1">
+            <a:gsLst>
+              <a:gs pos="0">
+                <a:srgbClr val="80E660"/>
+              </a:gs>
+              <a:gs pos="46000">
+                <a:schemeClr val="accent6">
+                  <a:lumMod val="95000"/>
+                  <a:lumOff val="5000"/>
+                </a:schemeClr>
+              </a:gs>
+              <a:gs pos="100000">
+                <a:schemeClr val="accent6">
+                  <a:lumMod val="60000"/>
+                </a:schemeClr>
+              </a:gs>
+            </a:gsLst>
+            <a:path path="circle">
+              <a:fillToRect l="50000" t="130000" r="50000" b="-30000"/>
+            </a:path>
+            <a:tileRect/>
+          </a:gradFill>
           <a:ln w="19050" cap="flat" cmpd="sng">
             <a:solidFill>
-              <a:schemeClr val="dk1"/>
+              <a:schemeClr val="accent6">
+                <a:lumMod val="60000"/>
+                <a:lumOff val="40000"/>
+              </a:schemeClr>
             </a:solidFill>
             <a:prstDash val="solid"/>
             <a:round/>
@@ -10121,8 +6569,8 @@
         </p:nvSpPr>
         <p:spPr>
           <a:xfrm>
-            <a:off x="1600525" y="2576588"/>
-            <a:ext cx="602700" cy="400200"/>
+            <a:off x="1396333" y="2592250"/>
+            <a:ext cx="979292" cy="400079"/>
           </a:xfrm>
           <a:prstGeom prst="rect">
             <a:avLst/>
@@ -10148,10 +6596,10 @@
               <a:buNone/>
             </a:pPr>
             <a:r>
-              <a:rPr lang="en"/>
-              <a:t>Amp</a:t>
+              <a:rPr lang="en" dirty="0"/>
+              <a:t>Amplifier</a:t>
             </a:r>
-            <a:endParaRPr/>
+            <a:endParaRPr dirty="0"/>
           </a:p>
         </p:txBody>
       </p:sp>
@@ -10427,162 +6875,6 @@
           </a:p>
         </p:txBody>
       </p:sp>
-      <p:cxnSp>
-        <p:nvCxnSpPr>
-          <p:cNvPr id="181" name="Google Shape;181;p14"/>
-          <p:cNvCxnSpPr/>
-          <p:nvPr/>
-        </p:nvCxnSpPr>
-        <p:spPr>
-          <a:xfrm rot="10800000" flipH="1">
-            <a:off x="815125" y="4159250"/>
-            <a:ext cx="1378500" cy="8100"/>
-          </a:xfrm>
-          <a:prstGeom prst="straightConnector1">
-            <a:avLst/>
-          </a:prstGeom>
-          <a:noFill/>
-          <a:ln w="19050" cap="flat" cmpd="sng">
-            <a:solidFill>
-              <a:schemeClr val="dk1"/>
-            </a:solidFill>
-            <a:prstDash val="solid"/>
-            <a:round/>
-            <a:headEnd type="none" w="med" len="med"/>
-            <a:tailEnd type="none" w="med" len="med"/>
-          </a:ln>
-        </p:spPr>
-      </p:cxnSp>
-      <p:cxnSp>
-        <p:nvCxnSpPr>
-          <p:cNvPr id="182" name="Google Shape;182;p14"/>
-          <p:cNvCxnSpPr/>
-          <p:nvPr/>
-        </p:nvCxnSpPr>
-        <p:spPr>
-          <a:xfrm rot="10800000" flipH="1">
-            <a:off x="2193625" y="3006950"/>
-            <a:ext cx="9600" cy="1152300"/>
-          </a:xfrm>
-          <a:prstGeom prst="straightConnector1">
-            <a:avLst/>
-          </a:prstGeom>
-          <a:noFill/>
-          <a:ln w="19050" cap="flat" cmpd="sng">
-            <a:solidFill>
-              <a:schemeClr val="dk1"/>
-            </a:solidFill>
-            <a:prstDash val="solid"/>
-            <a:round/>
-            <a:headEnd type="none" w="med" len="med"/>
-            <a:tailEnd type="none" w="med" len="med"/>
-          </a:ln>
-        </p:spPr>
-      </p:cxnSp>
-      <p:cxnSp>
-        <p:nvCxnSpPr>
-          <p:cNvPr id="183" name="Google Shape;183;p14"/>
-          <p:cNvCxnSpPr/>
-          <p:nvPr/>
-        </p:nvCxnSpPr>
-        <p:spPr>
-          <a:xfrm>
-            <a:off x="1141400" y="3006575"/>
-            <a:ext cx="1052100" cy="300"/>
-          </a:xfrm>
-          <a:prstGeom prst="straightConnector1">
-            <a:avLst/>
-          </a:prstGeom>
-          <a:noFill/>
-          <a:ln w="19050" cap="flat" cmpd="sng">
-            <a:solidFill>
-              <a:schemeClr val="dk1"/>
-            </a:solidFill>
-            <a:prstDash val="solid"/>
-            <a:round/>
-            <a:headEnd type="none" w="med" len="med"/>
-            <a:tailEnd type="none" w="med" len="med"/>
-          </a:ln>
-        </p:spPr>
-      </p:cxnSp>
-      <p:cxnSp>
-        <p:nvCxnSpPr>
-          <p:cNvPr id="184" name="Google Shape;184;p14"/>
-          <p:cNvCxnSpPr/>
-          <p:nvPr/>
-        </p:nvCxnSpPr>
-        <p:spPr>
-          <a:xfrm rot="10800000">
-            <a:off x="1151075" y="3007000"/>
-            <a:ext cx="13500" cy="798900"/>
-          </a:xfrm>
-          <a:prstGeom prst="straightConnector1">
-            <a:avLst/>
-          </a:prstGeom>
-          <a:noFill/>
-          <a:ln w="19050" cap="flat" cmpd="sng">
-            <a:solidFill>
-              <a:schemeClr val="dk1"/>
-            </a:solidFill>
-            <a:prstDash val="solid"/>
-            <a:round/>
-            <a:headEnd type="none" w="med" len="med"/>
-            <a:tailEnd type="none" w="med" len="med"/>
-          </a:ln>
-        </p:spPr>
-      </p:cxnSp>
-      <p:cxnSp>
-        <p:nvCxnSpPr>
-          <p:cNvPr id="185" name="Google Shape;185;p14"/>
-          <p:cNvCxnSpPr/>
-          <p:nvPr/>
-        </p:nvCxnSpPr>
-        <p:spPr>
-          <a:xfrm rot="10800000">
-            <a:off x="817175" y="3802600"/>
-            <a:ext cx="347400" cy="3300"/>
-          </a:xfrm>
-          <a:prstGeom prst="straightConnector1">
-            <a:avLst/>
-          </a:prstGeom>
-          <a:noFill/>
-          <a:ln w="19050" cap="flat" cmpd="sng">
-            <a:solidFill>
-              <a:schemeClr val="dk1"/>
-            </a:solidFill>
-            <a:prstDash val="solid"/>
-            <a:round/>
-            <a:headEnd type="none" w="med" len="med"/>
-            <a:tailEnd type="none" w="med" len="med"/>
-          </a:ln>
-        </p:spPr>
-      </p:cxnSp>
-      <p:cxnSp>
-        <p:nvCxnSpPr>
-          <p:cNvPr id="186" name="Google Shape;186;p14"/>
-          <p:cNvCxnSpPr/>
-          <p:nvPr/>
-        </p:nvCxnSpPr>
-        <p:spPr>
-          <a:xfrm flipH="1">
-            <a:off x="815125" y="3805900"/>
-            <a:ext cx="300" cy="350700"/>
-          </a:xfrm>
-          <a:prstGeom prst="straightConnector1">
-            <a:avLst/>
-          </a:prstGeom>
-          <a:noFill/>
-          <a:ln w="19050" cap="flat" cmpd="sng">
-            <a:solidFill>
-              <a:schemeClr val="dk1"/>
-            </a:solidFill>
-            <a:prstDash val="solid"/>
-            <a:round/>
-            <a:headEnd type="none" w="med" len="med"/>
-            <a:tailEnd type="none" w="med" len="med"/>
-          </a:ln>
-        </p:spPr>
-      </p:cxnSp>
       <p:sp>
         <p:nvSpPr>
           <p:cNvPr id="187" name="Google Shape;187;p14"/>
@@ -10763,7 +7055,7 @@
         </p:nvSpPr>
         <p:spPr>
           <a:xfrm>
-            <a:off x="6428000" y="3506925"/>
+            <a:off x="6550300" y="3525937"/>
             <a:ext cx="508500" cy="307800"/>
           </a:xfrm>
           <a:prstGeom prst="rect">
@@ -10790,64 +7082,12 @@
               <a:buNone/>
             </a:pPr>
             <a:r>
-              <a:rPr lang="en" sz="800"/>
+              <a:rPr lang="en" sz="800" dirty="0"/>
               <a:t>24V</a:t>
             </a:r>
-            <a:endParaRPr sz="800"/>
+            <a:endParaRPr sz="800" dirty="0"/>
           </a:p>
         </p:txBody>
-      </p:sp>
-      <p:sp>
-        <p:nvSpPr>
-          <p:cNvPr id="192" name="Google Shape;192;p14"/>
-          <p:cNvSpPr/>
-          <p:nvPr/>
-        </p:nvSpPr>
-        <p:spPr>
-          <a:xfrm>
-            <a:off x="2195775" y="2631025"/>
-            <a:ext cx="4334675" cy="1690650"/>
-          </a:xfrm>
-          <a:custGeom>
-            <a:avLst/>
-            <a:gdLst/>
-            <a:ahLst/>
-            <a:cxnLst/>
-            <a:rect l="l" t="t" r="r" b="b"/>
-            <a:pathLst>
-              <a:path w="173387" h="67626" extrusionOk="0">
-                <a:moveTo>
-                  <a:pt x="0" y="53576"/>
-                </a:moveTo>
-                <a:cubicBezTo>
-                  <a:pt x="7152" y="55916"/>
-                  <a:pt x="16530" y="67420"/>
-                  <a:pt x="42912" y="67613"/>
-                </a:cubicBezTo>
-                <a:cubicBezTo>
-                  <a:pt x="69295" y="67807"/>
-                  <a:pt x="136549" y="66006"/>
-                  <a:pt x="158295" y="54737"/>
-                </a:cubicBezTo>
-                <a:cubicBezTo>
-                  <a:pt x="180041" y="43468"/>
-                  <a:pt x="170872" y="9123"/>
-                  <a:pt x="173387" y="0"/>
-                </a:cubicBezTo>
-              </a:path>
-            </a:pathLst>
-          </a:custGeom>
-          <a:noFill/>
-          <a:ln w="9525" cap="flat" cmpd="sng">
-            <a:solidFill>
-              <a:schemeClr val="dk2"/>
-            </a:solidFill>
-            <a:prstDash val="solid"/>
-            <a:round/>
-            <a:headEnd type="none" w="med" len="med"/>
-            <a:tailEnd type="none" w="med" len="med"/>
-          </a:ln>
-        </p:spPr>
       </p:sp>
       <p:sp>
         <p:nvSpPr>
@@ -11025,7 +7265,7 @@
         </p:nvSpPr>
         <p:spPr>
           <a:xfrm>
-            <a:off x="2400750" y="2608400"/>
+            <a:off x="3116225" y="4649544"/>
             <a:ext cx="508500" cy="307800"/>
           </a:xfrm>
           <a:prstGeom prst="rect">
@@ -11052,10 +7292,10 @@
               <a:buNone/>
             </a:pPr>
             <a:r>
-              <a:rPr lang="en" sz="800"/>
+              <a:rPr lang="en" sz="800" dirty="0"/>
               <a:t>Data</a:t>
             </a:r>
-            <a:endParaRPr sz="800"/>
+            <a:endParaRPr sz="800" dirty="0"/>
           </a:p>
         </p:txBody>
       </p:sp>
@@ -11067,7 +7307,7 @@
         </p:nvSpPr>
         <p:spPr>
           <a:xfrm>
-            <a:off x="4385950" y="3650350"/>
+            <a:off x="4544462" y="2937038"/>
             <a:ext cx="602700" cy="307800"/>
           </a:xfrm>
           <a:prstGeom prst="rect">
@@ -11094,10 +7334,10 @@
               <a:buNone/>
             </a:pPr>
             <a:r>
-              <a:rPr lang="en" sz="800"/>
+              <a:rPr lang="en" sz="800" dirty="0"/>
               <a:t>Ground</a:t>
             </a:r>
-            <a:endParaRPr sz="800"/>
+            <a:endParaRPr sz="800" dirty="0"/>
           </a:p>
         </p:txBody>
       </p:sp>
@@ -11308,6 +7548,162 @@
           </a:p>
         </p:txBody>
       </p:sp>
+      <p:cxnSp>
+        <p:nvCxnSpPr>
+          <p:cNvPr id="181" name="Google Shape;181;p14"/>
+          <p:cNvCxnSpPr/>
+          <p:nvPr/>
+        </p:nvCxnSpPr>
+        <p:spPr>
+          <a:xfrm rot="10800000">
+            <a:off x="7159750" y="4449945"/>
+            <a:ext cx="1378500" cy="8100"/>
+          </a:xfrm>
+          <a:prstGeom prst="straightConnector1">
+            <a:avLst/>
+          </a:prstGeom>
+          <a:noFill/>
+          <a:ln w="19050" cap="flat" cmpd="sng">
+            <a:solidFill>
+              <a:schemeClr val="dk1"/>
+            </a:solidFill>
+            <a:prstDash val="solid"/>
+            <a:round/>
+            <a:headEnd type="none" w="med" len="med"/>
+            <a:tailEnd type="none" w="med" len="med"/>
+          </a:ln>
+        </p:spPr>
+      </p:cxnSp>
+      <p:cxnSp>
+        <p:nvCxnSpPr>
+          <p:cNvPr id="182" name="Google Shape;182;p14"/>
+          <p:cNvCxnSpPr/>
+          <p:nvPr/>
+        </p:nvCxnSpPr>
+        <p:spPr>
+          <a:xfrm rot="10800000">
+            <a:off x="7150150" y="3297645"/>
+            <a:ext cx="9600" cy="1152300"/>
+          </a:xfrm>
+          <a:prstGeom prst="straightConnector1">
+            <a:avLst/>
+          </a:prstGeom>
+          <a:noFill/>
+          <a:ln w="19050" cap="flat" cmpd="sng">
+            <a:solidFill>
+              <a:schemeClr val="dk1"/>
+            </a:solidFill>
+            <a:prstDash val="solid"/>
+            <a:round/>
+            <a:headEnd type="none" w="med" len="med"/>
+            <a:tailEnd type="none" w="med" len="med"/>
+          </a:ln>
+        </p:spPr>
+      </p:cxnSp>
+      <p:cxnSp>
+        <p:nvCxnSpPr>
+          <p:cNvPr id="183" name="Google Shape;183;p14"/>
+          <p:cNvCxnSpPr/>
+          <p:nvPr/>
+        </p:nvCxnSpPr>
+        <p:spPr>
+          <a:xfrm flipH="1">
+            <a:off x="7159875" y="3297270"/>
+            <a:ext cx="1052100" cy="300"/>
+          </a:xfrm>
+          <a:prstGeom prst="straightConnector1">
+            <a:avLst/>
+          </a:prstGeom>
+          <a:noFill/>
+          <a:ln w="19050" cap="flat" cmpd="sng">
+            <a:solidFill>
+              <a:schemeClr val="dk1"/>
+            </a:solidFill>
+            <a:prstDash val="solid"/>
+            <a:round/>
+            <a:headEnd type="none" w="med" len="med"/>
+            <a:tailEnd type="none" w="med" len="med"/>
+          </a:ln>
+        </p:spPr>
+      </p:cxnSp>
+      <p:cxnSp>
+        <p:nvCxnSpPr>
+          <p:cNvPr id="184" name="Google Shape;184;p14"/>
+          <p:cNvCxnSpPr/>
+          <p:nvPr/>
+        </p:nvCxnSpPr>
+        <p:spPr>
+          <a:xfrm rot="10800000" flipH="1">
+            <a:off x="8188800" y="3297695"/>
+            <a:ext cx="13500" cy="798900"/>
+          </a:xfrm>
+          <a:prstGeom prst="straightConnector1">
+            <a:avLst/>
+          </a:prstGeom>
+          <a:noFill/>
+          <a:ln w="19050" cap="flat" cmpd="sng">
+            <a:solidFill>
+              <a:schemeClr val="dk1"/>
+            </a:solidFill>
+            <a:prstDash val="solid"/>
+            <a:round/>
+            <a:headEnd type="none" w="med" len="med"/>
+            <a:tailEnd type="none" w="med" len="med"/>
+          </a:ln>
+        </p:spPr>
+      </p:cxnSp>
+      <p:cxnSp>
+        <p:nvCxnSpPr>
+          <p:cNvPr id="185" name="Google Shape;185;p14"/>
+          <p:cNvCxnSpPr/>
+          <p:nvPr/>
+        </p:nvCxnSpPr>
+        <p:spPr>
+          <a:xfrm rot="10800000" flipH="1">
+            <a:off x="8188800" y="4093295"/>
+            <a:ext cx="347400" cy="3300"/>
+          </a:xfrm>
+          <a:prstGeom prst="straightConnector1">
+            <a:avLst/>
+          </a:prstGeom>
+          <a:noFill/>
+          <a:ln w="19050" cap="flat" cmpd="sng">
+            <a:solidFill>
+              <a:schemeClr val="dk1"/>
+            </a:solidFill>
+            <a:prstDash val="solid"/>
+            <a:round/>
+            <a:headEnd type="none" w="med" len="med"/>
+            <a:tailEnd type="none" w="med" len="med"/>
+          </a:ln>
+        </p:spPr>
+      </p:cxnSp>
+      <p:cxnSp>
+        <p:nvCxnSpPr>
+          <p:cNvPr id="186" name="Google Shape;186;p14"/>
+          <p:cNvCxnSpPr/>
+          <p:nvPr/>
+        </p:nvCxnSpPr>
+        <p:spPr>
+          <a:xfrm>
+            <a:off x="8537950" y="4096595"/>
+            <a:ext cx="300" cy="350700"/>
+          </a:xfrm>
+          <a:prstGeom prst="straightConnector1">
+            <a:avLst/>
+          </a:prstGeom>
+          <a:noFill/>
+          <a:ln w="19050" cap="flat" cmpd="sng">
+            <a:solidFill>
+              <a:schemeClr val="dk1"/>
+            </a:solidFill>
+            <a:prstDash val="solid"/>
+            <a:round/>
+            <a:headEnd type="none" w="med" len="med"/>
+            <a:tailEnd type="none" w="med" len="med"/>
+          </a:ln>
+        </p:spPr>
+      </p:cxnSp>
       <p:sp>
         <p:nvSpPr>
           <p:cNvPr id="204" name="Google Shape;204;p14"/>
@@ -11315,8 +7711,8 @@
           <p:nvPr/>
         </p:nvSpPr>
         <p:spPr>
-          <a:xfrm>
-            <a:off x="1930650" y="3382963"/>
+          <a:xfrm flipH="1">
+            <a:off x="7133891" y="4067358"/>
             <a:ext cx="314400" cy="400200"/>
           </a:xfrm>
           <a:prstGeom prst="rect">
@@ -11343,10 +7739,10 @@
               <a:buNone/>
             </a:pPr>
             <a:r>
-              <a:rPr lang="en"/>
+              <a:rPr lang="en" dirty="0"/>
               <a:t>-</a:t>
             </a:r>
-            <a:endParaRPr/>
+            <a:endParaRPr dirty="0"/>
           </a:p>
         </p:txBody>
       </p:sp>
@@ -11357,8 +7753,8 @@
           <p:nvPr/>
         </p:nvSpPr>
         <p:spPr>
-          <a:xfrm>
-            <a:off x="1883100" y="3757625"/>
+          <a:xfrm flipH="1">
+            <a:off x="7082874" y="3770565"/>
             <a:ext cx="409500" cy="400200"/>
           </a:xfrm>
           <a:prstGeom prst="rect">
@@ -11385,91 +7781,13 @@
               <a:buNone/>
             </a:pPr>
             <a:r>
-              <a:rPr lang="en"/>
+              <a:rPr lang="en" dirty="0"/>
               <a:t>+</a:t>
             </a:r>
-            <a:endParaRPr/>
+            <a:endParaRPr dirty="0"/>
           </a:p>
         </p:txBody>
       </p:sp>
-      <p:cxnSp>
-        <p:nvCxnSpPr>
-          <p:cNvPr id="206" name="Google Shape;206;p14"/>
-          <p:cNvCxnSpPr/>
-          <p:nvPr/>
-        </p:nvCxnSpPr>
-        <p:spPr>
-          <a:xfrm>
-            <a:off x="5410200" y="0"/>
-            <a:ext cx="0" cy="609600"/>
-          </a:xfrm>
-          <a:prstGeom prst="straightConnector1">
-            <a:avLst/>
-          </a:prstGeom>
-          <a:noFill/>
-          <a:ln w="19050" cap="flat" cmpd="sng">
-            <a:solidFill>
-              <a:schemeClr val="dk2"/>
-            </a:solidFill>
-            <a:prstDash val="solid"/>
-            <a:round/>
-            <a:headEnd type="none" w="med" len="med"/>
-            <a:tailEnd type="none" w="med" len="med"/>
-          </a:ln>
-        </p:spPr>
-      </p:cxnSp>
-      <p:cxnSp>
-        <p:nvCxnSpPr>
-          <p:cNvPr id="207" name="Google Shape;207;p14"/>
-          <p:cNvCxnSpPr/>
-          <p:nvPr/>
-        </p:nvCxnSpPr>
-        <p:spPr>
-          <a:xfrm rot="10800000">
-            <a:off x="5410200" y="609600"/>
-            <a:ext cx="1371600" cy="0"/>
-          </a:xfrm>
-          <a:prstGeom prst="straightConnector1">
-            <a:avLst/>
-          </a:prstGeom>
-          <a:noFill/>
-          <a:ln w="19050" cap="flat" cmpd="sng">
-            <a:solidFill>
-              <a:schemeClr val="dk2"/>
-            </a:solidFill>
-            <a:prstDash val="solid"/>
-            <a:round/>
-            <a:headEnd type="none" w="med" len="med"/>
-            <a:tailEnd type="none" w="med" len="med"/>
-          </a:ln>
-        </p:spPr>
-      </p:cxnSp>
-      <p:cxnSp>
-        <p:nvCxnSpPr>
-          <p:cNvPr id="208" name="Google Shape;208;p14"/>
-          <p:cNvCxnSpPr/>
-          <p:nvPr/>
-        </p:nvCxnSpPr>
-        <p:spPr>
-          <a:xfrm>
-            <a:off x="6781800" y="0"/>
-            <a:ext cx="0" cy="609600"/>
-          </a:xfrm>
-          <a:prstGeom prst="straightConnector1">
-            <a:avLst/>
-          </a:prstGeom>
-          <a:noFill/>
-          <a:ln w="19050" cap="flat" cmpd="sng">
-            <a:solidFill>
-              <a:schemeClr val="dk2"/>
-            </a:solidFill>
-            <a:prstDash val="solid"/>
-            <a:round/>
-            <a:headEnd type="none" w="med" len="med"/>
-            <a:tailEnd type="none" w="med" len="med"/>
-          </a:ln>
-        </p:spPr>
-      </p:cxnSp>
       <p:sp>
         <p:nvSpPr>
           <p:cNvPr id="209" name="Google Shape;209;p14"/>
@@ -12329,6 +8647,502 @@
               <a:t>Tibia</a:t>
             </a:r>
             <a:endParaRPr/>
+          </a:p>
+        </p:txBody>
+      </p:sp>
+      <p:sp>
+        <p:nvSpPr>
+          <p:cNvPr id="3" name="Oval 2">
+            <a:extLst>
+              <a:ext uri="{FF2B5EF4-FFF2-40B4-BE49-F238E27FC236}">
+                <a16:creationId xmlns:a16="http://schemas.microsoft.com/office/drawing/2014/main" id="{0719FE5F-89E9-48DF-993D-CB49EE7DB5CF}"/>
+              </a:ext>
+            </a:extLst>
+          </p:cNvPr>
+          <p:cNvSpPr/>
+          <p:nvPr/>
+        </p:nvSpPr>
+        <p:spPr>
+          <a:xfrm>
+            <a:off x="5613861" y="13922"/>
+            <a:ext cx="1212878" cy="622482"/>
+          </a:xfrm>
+          <a:prstGeom prst="ellipse">
+            <a:avLst/>
+          </a:prstGeom>
+          <a:gradFill>
+            <a:gsLst>
+              <a:gs pos="0">
+                <a:schemeClr val="accent1">
+                  <a:lumMod val="60000"/>
+                  <a:lumOff val="40000"/>
+                </a:schemeClr>
+              </a:gs>
+              <a:gs pos="46000">
+                <a:schemeClr val="accent1">
+                  <a:lumMod val="40000"/>
+                  <a:lumOff val="60000"/>
+                </a:schemeClr>
+              </a:gs>
+              <a:gs pos="100000">
+                <a:schemeClr val="accent1">
+                  <a:lumMod val="50000"/>
+                </a:schemeClr>
+              </a:gs>
+            </a:gsLst>
+            <a:path path="circle">
+              <a:fillToRect l="50000" t="130000" r="50000" b="-30000"/>
+            </a:path>
+          </a:gradFill>
+        </p:spPr>
+        <p:style>
+          <a:lnRef idx="2">
+            <a:schemeClr val="accent1">
+              <a:shade val="50000"/>
+            </a:schemeClr>
+          </a:lnRef>
+          <a:fillRef idx="1">
+            <a:schemeClr val="accent1"/>
+          </a:fillRef>
+          <a:effectRef idx="0">
+            <a:schemeClr val="accent1"/>
+          </a:effectRef>
+          <a:fontRef idx="minor">
+            <a:schemeClr val="lt1"/>
+          </a:fontRef>
+        </p:style>
+        <p:txBody>
+          <a:bodyPr rtlCol="0" anchor="ctr"/>
+          <a:lstStyle/>
+          <a:p>
+            <a:pPr algn="ctr"/>
+            <a:endParaRPr lang="en-US"/>
+          </a:p>
+        </p:txBody>
+      </p:sp>
+      <p:cxnSp>
+        <p:nvCxnSpPr>
+          <p:cNvPr id="6" name="Connector: Elbow 5">
+            <a:extLst>
+              <a:ext uri="{FF2B5EF4-FFF2-40B4-BE49-F238E27FC236}">
+                <a16:creationId xmlns:a16="http://schemas.microsoft.com/office/drawing/2014/main" id="{C30F49A9-CD4F-4C91-BD64-C9C6F2253C7F}"/>
+              </a:ext>
+            </a:extLst>
+          </p:cNvPr>
+          <p:cNvCxnSpPr>
+            <a:cxnSpLocks/>
+            <a:stCxn id="157" idx="2"/>
+            <a:endCxn id="205" idx="3"/>
+          </p:cNvCxnSpPr>
+          <p:nvPr/>
+        </p:nvCxnSpPr>
+        <p:spPr>
+          <a:xfrm rot="16200000" flipH="1">
+            <a:off x="6163883" y="3051674"/>
+            <a:ext cx="1338640" cy="499342"/>
+          </a:xfrm>
+          <a:prstGeom prst="bentConnector2">
+            <a:avLst/>
+          </a:prstGeom>
+          <a:ln>
+            <a:solidFill>
+              <a:schemeClr val="tx1"/>
+            </a:solidFill>
+          </a:ln>
+        </p:spPr>
+        <p:style>
+          <a:lnRef idx="1">
+            <a:schemeClr val="accent1"/>
+          </a:lnRef>
+          <a:fillRef idx="0">
+            <a:schemeClr val="accent1"/>
+          </a:fillRef>
+          <a:effectRef idx="0">
+            <a:schemeClr val="accent1"/>
+          </a:effectRef>
+          <a:fontRef idx="minor">
+            <a:schemeClr val="tx1"/>
+          </a:fontRef>
+        </p:style>
+      </p:cxnSp>
+      <p:cxnSp>
+        <p:nvCxnSpPr>
+          <p:cNvPr id="10" name="Connector: Elbow 9">
+            <a:extLst>
+              <a:ext uri="{FF2B5EF4-FFF2-40B4-BE49-F238E27FC236}">
+                <a16:creationId xmlns:a16="http://schemas.microsoft.com/office/drawing/2014/main" id="{698C0C55-CE4B-4D52-83D3-9FCD3F66C9B4}"/>
+              </a:ext>
+            </a:extLst>
+          </p:cNvPr>
+          <p:cNvCxnSpPr>
+            <a:stCxn id="167" idx="4"/>
+            <a:endCxn id="204" idx="3"/>
+          </p:cNvCxnSpPr>
+          <p:nvPr/>
+        </p:nvCxnSpPr>
+        <p:spPr>
+          <a:xfrm rot="16200000" flipH="1">
+            <a:off x="5943879" y="3077446"/>
+            <a:ext cx="891958" cy="1488066"/>
+          </a:xfrm>
+          <a:prstGeom prst="bentConnector2">
+            <a:avLst/>
+          </a:prstGeom>
+          <a:ln>
+            <a:solidFill>
+              <a:schemeClr val="tx1"/>
+            </a:solidFill>
+            <a:tailEnd type="none"/>
+          </a:ln>
+        </p:spPr>
+        <p:style>
+          <a:lnRef idx="1">
+            <a:schemeClr val="accent1"/>
+          </a:lnRef>
+          <a:fillRef idx="0">
+            <a:schemeClr val="accent1"/>
+          </a:fillRef>
+          <a:effectRef idx="0">
+            <a:schemeClr val="accent1"/>
+          </a:effectRef>
+          <a:fontRef idx="minor">
+            <a:schemeClr val="tx1"/>
+          </a:fontRef>
+        </p:style>
+      </p:cxnSp>
+      <p:sp>
+        <p:nvSpPr>
+          <p:cNvPr id="13" name="Hexagon 12">
+            <a:extLst>
+              <a:ext uri="{FF2B5EF4-FFF2-40B4-BE49-F238E27FC236}">
+                <a16:creationId xmlns:a16="http://schemas.microsoft.com/office/drawing/2014/main" id="{9EF0B375-724F-4453-8D64-3515AEBB0623}"/>
+              </a:ext>
+            </a:extLst>
+          </p:cNvPr>
+          <p:cNvSpPr/>
+          <p:nvPr/>
+        </p:nvSpPr>
+        <p:spPr>
+          <a:xfrm>
+            <a:off x="5440452" y="3162749"/>
+            <a:ext cx="360690" cy="282174"/>
+          </a:xfrm>
+          <a:prstGeom prst="hexagon">
+            <a:avLst/>
+          </a:prstGeom>
+          <a:solidFill>
+            <a:schemeClr val="accent4">
+              <a:lumMod val="60000"/>
+              <a:lumOff val="40000"/>
+            </a:schemeClr>
+          </a:solidFill>
+        </p:spPr>
+        <p:style>
+          <a:lnRef idx="2">
+            <a:schemeClr val="accent1">
+              <a:shade val="50000"/>
+            </a:schemeClr>
+          </a:lnRef>
+          <a:fillRef idx="1">
+            <a:schemeClr val="accent1"/>
+          </a:fillRef>
+          <a:effectRef idx="0">
+            <a:schemeClr val="accent1"/>
+          </a:effectRef>
+          <a:fontRef idx="minor">
+            <a:schemeClr val="lt1"/>
+          </a:fontRef>
+        </p:style>
+        <p:txBody>
+          <a:bodyPr rtlCol="0" anchor="ctr"/>
+          <a:lstStyle/>
+          <a:p>
+            <a:pPr algn="ctr"/>
+            <a:endParaRPr lang="en-US"/>
+          </a:p>
+        </p:txBody>
+      </p:sp>
+      <p:sp>
+        <p:nvSpPr>
+          <p:cNvPr id="14" name="Rectangle: Rounded Corners 13">
+            <a:extLst>
+              <a:ext uri="{FF2B5EF4-FFF2-40B4-BE49-F238E27FC236}">
+                <a16:creationId xmlns:a16="http://schemas.microsoft.com/office/drawing/2014/main" id="{33D006E3-A4B1-4571-9116-659CC08C70ED}"/>
+              </a:ext>
+            </a:extLst>
+          </p:cNvPr>
+          <p:cNvSpPr/>
+          <p:nvPr/>
+        </p:nvSpPr>
+        <p:spPr>
+          <a:xfrm>
+            <a:off x="458268" y="3816575"/>
+            <a:ext cx="1367292" cy="825959"/>
+          </a:xfrm>
+          <a:prstGeom prst="roundRect">
+            <a:avLst/>
+          </a:prstGeom>
+          <a:noFill/>
+          <a:ln>
+            <a:solidFill>
+              <a:schemeClr val="tx1"/>
+            </a:solidFill>
+          </a:ln>
+        </p:spPr>
+        <p:style>
+          <a:lnRef idx="2">
+            <a:schemeClr val="accent1">
+              <a:shade val="50000"/>
+            </a:schemeClr>
+          </a:lnRef>
+          <a:fillRef idx="1">
+            <a:schemeClr val="accent1"/>
+          </a:fillRef>
+          <a:effectRef idx="0">
+            <a:schemeClr val="accent1"/>
+          </a:effectRef>
+          <a:fontRef idx="minor">
+            <a:schemeClr val="lt1"/>
+          </a:fontRef>
+        </p:style>
+        <p:txBody>
+          <a:bodyPr rtlCol="0" anchor="ctr"/>
+          <a:lstStyle/>
+          <a:p>
+            <a:pPr algn="ctr"/>
+            <a:endParaRPr lang="en-US"/>
+          </a:p>
+        </p:txBody>
+      </p:sp>
+      <p:sp>
+        <p:nvSpPr>
+          <p:cNvPr id="99" name="Google Shape;174;p14">
+            <a:extLst>
+              <a:ext uri="{FF2B5EF4-FFF2-40B4-BE49-F238E27FC236}">
+                <a16:creationId xmlns:a16="http://schemas.microsoft.com/office/drawing/2014/main" id="{5A0AFCC2-D224-4CAD-9C9D-31CF35BDABE9}"/>
+              </a:ext>
+            </a:extLst>
+          </p:cNvPr>
+          <p:cNvSpPr txBox="1"/>
+          <p:nvPr/>
+        </p:nvSpPr>
+        <p:spPr>
+          <a:xfrm>
+            <a:off x="656963" y="3389397"/>
+            <a:ext cx="979292" cy="400079"/>
+          </a:xfrm>
+          <a:prstGeom prst="rect">
+            <a:avLst/>
+          </a:prstGeom>
+          <a:noFill/>
+          <a:ln>
+            <a:noFill/>
+          </a:ln>
+        </p:spPr>
+        <p:txBody>
+          <a:bodyPr spcFirstLastPara="1" wrap="square" lIns="91425" tIns="91425" rIns="91425" bIns="91425" anchor="t" anchorCtr="0">
+            <a:spAutoFit/>
+          </a:bodyPr>
+          <a:lstStyle/>
+          <a:p>
+            <a:pPr marL="0" lvl="0" indent="0" algn="ctr" rtl="0">
+              <a:spcBef>
+                <a:spcPts val="0"/>
+              </a:spcBef>
+              <a:spcAft>
+                <a:spcPts val="0"/>
+              </a:spcAft>
+              <a:buNone/>
+            </a:pPr>
+            <a:r>
+              <a:rPr lang="en-US" dirty="0"/>
+              <a:t>Computer</a:t>
+            </a:r>
+          </a:p>
+        </p:txBody>
+      </p:sp>
+      <p:sp>
+        <p:nvSpPr>
+          <p:cNvPr id="15" name="Rectangle 14">
+            <a:extLst>
+              <a:ext uri="{FF2B5EF4-FFF2-40B4-BE49-F238E27FC236}">
+                <a16:creationId xmlns:a16="http://schemas.microsoft.com/office/drawing/2014/main" id="{9534DAF7-2578-484C-B923-F4084E920D90}"/>
+              </a:ext>
+            </a:extLst>
+          </p:cNvPr>
+          <p:cNvSpPr/>
+          <p:nvPr/>
+        </p:nvSpPr>
+        <p:spPr>
+          <a:xfrm>
+            <a:off x="127950" y="4642080"/>
+            <a:ext cx="2087713" cy="427338"/>
+          </a:xfrm>
+          <a:prstGeom prst="rect">
+            <a:avLst/>
+          </a:prstGeom>
+          <a:noFill/>
+          <a:ln>
+            <a:solidFill>
+              <a:schemeClr val="tx1"/>
+            </a:solidFill>
+          </a:ln>
+        </p:spPr>
+        <p:style>
+          <a:lnRef idx="2">
+            <a:schemeClr val="accent1">
+              <a:shade val="50000"/>
+            </a:schemeClr>
+          </a:lnRef>
+          <a:fillRef idx="1">
+            <a:schemeClr val="accent1"/>
+          </a:fillRef>
+          <a:effectRef idx="0">
+            <a:schemeClr val="accent1"/>
+          </a:effectRef>
+          <a:fontRef idx="minor">
+            <a:schemeClr val="lt1"/>
+          </a:fontRef>
+        </p:style>
+        <p:txBody>
+          <a:bodyPr rtlCol="0" anchor="ctr"/>
+          <a:lstStyle/>
+          <a:p>
+            <a:pPr algn="ctr"/>
+            <a:endParaRPr lang="en-US"/>
+          </a:p>
+        </p:txBody>
+      </p:sp>
+      <p:sp>
+        <p:nvSpPr>
+          <p:cNvPr id="17" name="Freeform: Shape 16">
+            <a:extLst>
+              <a:ext uri="{FF2B5EF4-FFF2-40B4-BE49-F238E27FC236}">
+                <a16:creationId xmlns:a16="http://schemas.microsoft.com/office/drawing/2014/main" id="{D1D03CF0-EA78-42FC-B029-B38354778BF6}"/>
+              </a:ext>
+            </a:extLst>
+          </p:cNvPr>
+          <p:cNvSpPr/>
+          <p:nvPr/>
+        </p:nvSpPr>
+        <p:spPr>
+          <a:xfrm>
+            <a:off x="2203669" y="3818759"/>
+            <a:ext cx="1388607" cy="1026510"/>
+          </a:xfrm>
+          <a:custGeom>
+            <a:avLst/>
+            <a:gdLst>
+              <a:gd name="connsiteX0" fmla="*/ 0 w 1388607"/>
+              <a:gd name="connsiteY0" fmla="*/ 1026510 h 1026510"/>
+              <a:gd name="connsiteX1" fmla="*/ 1163145 w 1388607"/>
+              <a:gd name="connsiteY1" fmla="*/ 721710 h 1026510"/>
+              <a:gd name="connsiteX2" fmla="*/ 1376855 w 1388607"/>
+              <a:gd name="connsiteY2" fmla="*/ 0 h 1026510"/>
+            </a:gdLst>
+            <a:ahLst/>
+            <a:cxnLst>
+              <a:cxn ang="0">
+                <a:pos x="connsiteX0" y="connsiteY0"/>
+              </a:cxn>
+              <a:cxn ang="0">
+                <a:pos x="connsiteX1" y="connsiteY1"/>
+              </a:cxn>
+              <a:cxn ang="0">
+                <a:pos x="connsiteX2" y="connsiteY2"/>
+              </a:cxn>
+            </a:cxnLst>
+            <a:rect l="l" t="t" r="r" b="b"/>
+            <a:pathLst>
+              <a:path w="1388607" h="1026510">
+                <a:moveTo>
+                  <a:pt x="0" y="1026510"/>
+                </a:moveTo>
+                <a:cubicBezTo>
+                  <a:pt x="466834" y="959652"/>
+                  <a:pt x="933669" y="892795"/>
+                  <a:pt x="1163145" y="721710"/>
+                </a:cubicBezTo>
+                <a:cubicBezTo>
+                  <a:pt x="1392621" y="550625"/>
+                  <a:pt x="1407218" y="105687"/>
+                  <a:pt x="1376855" y="0"/>
+                </a:cubicBezTo>
+              </a:path>
+            </a:pathLst>
+          </a:custGeom>
+          <a:noFill/>
+        </p:spPr>
+        <p:style>
+          <a:lnRef idx="2">
+            <a:schemeClr val="accent1">
+              <a:shade val="50000"/>
+            </a:schemeClr>
+          </a:lnRef>
+          <a:fillRef idx="1">
+            <a:schemeClr val="accent1"/>
+          </a:fillRef>
+          <a:effectRef idx="0">
+            <a:schemeClr val="accent1"/>
+          </a:effectRef>
+          <a:fontRef idx="minor">
+            <a:schemeClr val="lt1"/>
+          </a:fontRef>
+        </p:style>
+        <p:txBody>
+          <a:bodyPr rtlCol="0" anchor="ctr"/>
+          <a:lstStyle/>
+          <a:p>
+            <a:pPr algn="ctr"/>
+            <a:endParaRPr lang="en-US"/>
+          </a:p>
+        </p:txBody>
+      </p:sp>
+      <p:sp>
+        <p:nvSpPr>
+          <p:cNvPr id="105" name="Google Shape;197;p14">
+            <a:extLst>
+              <a:ext uri="{FF2B5EF4-FFF2-40B4-BE49-F238E27FC236}">
+                <a16:creationId xmlns:a16="http://schemas.microsoft.com/office/drawing/2014/main" id="{5D6C0649-2D97-4714-AFAA-89ECF8752407}"/>
+              </a:ext>
+            </a:extLst>
+          </p:cNvPr>
+          <p:cNvSpPr txBox="1"/>
+          <p:nvPr/>
+        </p:nvSpPr>
+        <p:spPr>
+          <a:xfrm>
+            <a:off x="2427450" y="3097775"/>
+            <a:ext cx="508500" cy="307800"/>
+          </a:xfrm>
+          <a:prstGeom prst="rect">
+            <a:avLst/>
+          </a:prstGeom>
+          <a:noFill/>
+          <a:ln>
+            <a:noFill/>
+          </a:ln>
+        </p:spPr>
+        <p:txBody>
+          <a:bodyPr spcFirstLastPara="1" wrap="square" lIns="91425" tIns="91425" rIns="91425" bIns="91425" anchor="t" anchorCtr="0">
+            <a:spAutoFit/>
+          </a:bodyPr>
+          <a:lstStyle/>
+          <a:p>
+            <a:pPr marL="0" lvl="0" indent="0" algn="l" rtl="0">
+              <a:spcBef>
+                <a:spcPts val="0"/>
+              </a:spcBef>
+              <a:spcAft>
+                <a:spcPts val="0"/>
+              </a:spcAft>
+              <a:buNone/>
+            </a:pPr>
+            <a:r>
+              <a:rPr lang="en" sz="800" dirty="0"/>
+              <a:t>Data</a:t>
+            </a:r>
+            <a:endParaRPr sz="800" dirty="0"/>
           </a:p>
         </p:txBody>
       </p:sp>
